--- a/presentations/IBM/Zero Downtime.pptx
+++ b/presentations/IBM/Zero Downtime.pptx
@@ -5,16 +5,30 @@
     <p:sldMasterId id="2147483672" r:id="rId1"/>
   </p:sldMasterIdLst>
   <p:notesMasterIdLst>
-    <p:notesMasterId r:id="rId6"/>
+    <p:notesMasterId r:id="rId20"/>
   </p:notesMasterIdLst>
   <p:handoutMasterIdLst>
-    <p:handoutMasterId r:id="rId7"/>
+    <p:handoutMasterId r:id="rId21"/>
   </p:handoutMasterIdLst>
   <p:sldIdLst>
     <p:sldId id="256" r:id="rId2"/>
     <p:sldId id="257" r:id="rId3"/>
     <p:sldId id="258" r:id="rId4"/>
     <p:sldId id="259" r:id="rId5"/>
+    <p:sldId id="260" r:id="rId6"/>
+    <p:sldId id="261" r:id="rId7"/>
+    <p:sldId id="277" r:id="rId8"/>
+    <p:sldId id="267" r:id="rId9"/>
+    <p:sldId id="262" r:id="rId10"/>
+    <p:sldId id="263" r:id="rId11"/>
+    <p:sldId id="268" r:id="rId12"/>
+    <p:sldId id="264" r:id="rId13"/>
+    <p:sldId id="270" r:id="rId14"/>
+    <p:sldId id="271" r:id="rId15"/>
+    <p:sldId id="269" r:id="rId16"/>
+    <p:sldId id="272" r:id="rId17"/>
+    <p:sldId id="275" r:id="rId18"/>
+    <p:sldId id="276" r:id="rId19"/>
   </p:sldIdLst>
   <p:sldSz cx="9144000" cy="6858000" type="screen4x3"/>
   <p:notesSz cx="6858000" cy="9144000"/>
@@ -198,7 +212,8 @@
           <a:p>
             <a:fld id="{53F8006C-E171-4E58-9BBB-A90504E75719}" type="datetimeFigureOut">
               <a:rPr lang="de-DE" smtClean="0"/>
-              <a:t>14.11.2022</a:t>
+              <a:pPr/>
+              <a:t>21.11.2022</a:t>
             </a:fld>
             <a:endParaRPr lang="de-DE"/>
           </a:p>
@@ -264,6 +279,7 @@
           <a:p>
             <a:fld id="{86E9E066-8ED0-43D4-A5E7-F116EBD2AB06}" type="slidenum">
               <a:rPr lang="de-DE" smtClean="0"/>
+              <a:pPr/>
               <a:t>‹#›</a:t>
             </a:fld>
             <a:endParaRPr lang="de-DE"/>
@@ -358,7 +374,8 @@
           <a:p>
             <a:fld id="{F9B9FC39-2DDB-4B0A-BF0F-D246E8382D6F}" type="datetimeFigureOut">
               <a:rPr lang="de-DE" smtClean="0"/>
-              <a:t>14.11.2022</a:t>
+              <a:pPr/>
+              <a:t>21.11.2022</a:t>
             </a:fld>
             <a:endParaRPr lang="de-DE"/>
           </a:p>
@@ -519,6 +536,7 @@
           <a:p>
             <a:fld id="{BDF48697-E1E5-4359-AA8D-B4E7B4CDAB06}" type="slidenum">
               <a:rPr lang="de-DE" smtClean="0"/>
+              <a:pPr/>
               <a:t>‹#›</a:t>
             </a:fld>
             <a:endParaRPr lang="de-DE"/>
@@ -690,6 +708,7 @@
           <a:p>
             <a:fld id="{BDF48697-E1E5-4359-AA8D-B4E7B4CDAB06}" type="slidenum">
               <a:rPr lang="de-DE" smtClean="0"/>
+              <a:pPr/>
               <a:t>1</a:t>
             </a:fld>
             <a:endParaRPr lang="de-DE"/>
@@ -738,9 +757,9 @@
             <a:extLst/>
           </a:lstStyle>
           <a:p>
-            <a:fld id="{C0B23623-7F58-4EE6-BDF0-5EB7533134DE}" type="datetimeFigureOut">
-              <a:rPr lang="de-DE" smtClean="0"/>
-              <a:t>14.11.2022</a:t>
+            <a:fld id="{A2C5E23B-B93D-458E-A9BD-CCD2F6F22FA3}" type="datetime2">
+              <a:rPr lang="en-GB" smtClean="0"/>
+              <a:t>Monday, 21 November 2022</a:t>
             </a:fld>
             <a:endParaRPr lang="de-DE"/>
           </a:p>
@@ -763,6 +782,10 @@
             <a:extLst/>
           </a:lstStyle>
           <a:p>
+            <a:r>
+              <a:rPr lang="de-DE" smtClean="0"/>
+              <a:t>https://github.com/ethernalraine/uni</a:t>
+            </a:r>
             <a:endParaRPr lang="de-DE"/>
           </a:p>
         </p:txBody>
@@ -786,6 +809,7 @@
           <a:p>
             <a:fld id="{F59C70E6-6C27-47C3-B56D-C58F40D84728}" type="slidenum">
               <a:rPr lang="de-DE" smtClean="0"/>
+              <a:pPr/>
               <a:t>‹#›</a:t>
             </a:fld>
             <a:endParaRPr lang="de-DE"/>
@@ -1339,6 +1363,9 @@
   <p:clrMapOvr>
     <a:masterClrMapping/>
   </p:clrMapOvr>
+  <p:transition>
+    <p:fade/>
+  </p:transition>
 </p:sldLayout>
 </file>
 
@@ -1455,9 +1482,9 @@
             <a:extLst/>
           </a:lstStyle>
           <a:p>
-            <a:fld id="{C0B23623-7F58-4EE6-BDF0-5EB7533134DE}" type="datetimeFigureOut">
-              <a:rPr lang="de-DE" smtClean="0"/>
-              <a:t>14.11.2022</a:t>
+            <a:fld id="{955FD13F-383D-4C60-9CC9-9185DAEA3476}" type="datetime2">
+              <a:rPr lang="en-GB" smtClean="0"/>
+              <a:t>Monday, 21 November 2022</a:t>
             </a:fld>
             <a:endParaRPr lang="de-DE"/>
           </a:p>
@@ -1480,6 +1507,10 @@
             <a:extLst/>
           </a:lstStyle>
           <a:p>
+            <a:r>
+              <a:rPr lang="de-DE" smtClean="0"/>
+              <a:t>https://github.com/ethernalraine/uni</a:t>
+            </a:r>
             <a:endParaRPr lang="de-DE"/>
           </a:p>
         </p:txBody>
@@ -1503,6 +1534,7 @@
           <a:p>
             <a:fld id="{F59C70E6-6C27-47C3-B56D-C58F40D84728}" type="slidenum">
               <a:rPr lang="de-DE" smtClean="0"/>
+              <a:pPr/>
               <a:t>‹#›</a:t>
             </a:fld>
             <a:endParaRPr lang="de-DE"/>
@@ -1514,6 +1546,9 @@
   <p:clrMapOvr>
     <a:masterClrMapping/>
   </p:clrMapOvr>
+  <p:transition>
+    <p:fade/>
+  </p:transition>
 </p:sldLayout>
 </file>
 
@@ -1640,9 +1675,9 @@
             <a:extLst/>
           </a:lstStyle>
           <a:p>
-            <a:fld id="{C0B23623-7F58-4EE6-BDF0-5EB7533134DE}" type="datetimeFigureOut">
-              <a:rPr lang="de-DE" smtClean="0"/>
-              <a:t>14.11.2022</a:t>
+            <a:fld id="{347752A6-B98F-4B58-91A1-371271DA649E}" type="datetime2">
+              <a:rPr lang="en-GB" smtClean="0"/>
+              <a:t>Monday, 21 November 2022</a:t>
             </a:fld>
             <a:endParaRPr lang="de-DE"/>
           </a:p>
@@ -1665,6 +1700,10 @@
             <a:extLst/>
           </a:lstStyle>
           <a:p>
+            <a:r>
+              <a:rPr lang="de-DE" smtClean="0"/>
+              <a:t>https://github.com/ethernalraine/uni</a:t>
+            </a:r>
             <a:endParaRPr lang="de-DE"/>
           </a:p>
         </p:txBody>
@@ -1688,6 +1727,7 @@
           <a:p>
             <a:fld id="{F59C70E6-6C27-47C3-B56D-C58F40D84728}" type="slidenum">
               <a:rPr lang="de-DE" smtClean="0"/>
+              <a:pPr/>
               <a:t>‹#›</a:t>
             </a:fld>
             <a:endParaRPr lang="de-DE"/>
@@ -1699,6 +1739,9 @@
   <p:clrMapOvr>
     <a:masterClrMapping/>
   </p:clrMapOvr>
+  <p:transition>
+    <p:fade/>
+  </p:transition>
 </p:sldLayout>
 </file>
 
@@ -1815,9 +1858,9 @@
             <a:extLst/>
           </a:lstStyle>
           <a:p>
-            <a:fld id="{C0B23623-7F58-4EE6-BDF0-5EB7533134DE}" type="datetimeFigureOut">
-              <a:rPr lang="de-DE" smtClean="0"/>
-              <a:t>14.11.2022</a:t>
+            <a:fld id="{E1019886-7862-4E0F-B711-E84483F9E28D}" type="datetime2">
+              <a:rPr lang="en-GB" smtClean="0"/>
+              <a:t>Monday, 21 November 2022</a:t>
             </a:fld>
             <a:endParaRPr lang="de-DE"/>
           </a:p>
@@ -1840,6 +1883,10 @@
             <a:extLst/>
           </a:lstStyle>
           <a:p>
+            <a:r>
+              <a:rPr lang="de-DE" smtClean="0"/>
+              <a:t>https://github.com/ethernalraine/uni</a:t>
+            </a:r>
             <a:endParaRPr lang="de-DE"/>
           </a:p>
         </p:txBody>
@@ -1863,6 +1910,7 @@
           <a:p>
             <a:fld id="{F59C70E6-6C27-47C3-B56D-C58F40D84728}" type="slidenum">
               <a:rPr lang="de-DE" smtClean="0"/>
+              <a:pPr/>
               <a:t>‹#›</a:t>
             </a:fld>
             <a:endParaRPr lang="de-DE"/>
@@ -1874,6 +1922,9 @@
   <p:clrMapOvr>
     <a:masterClrMapping/>
   </p:clrMapOvr>
+  <p:transition>
+    <p:fade/>
+  </p:transition>
 </p:sldLayout>
 </file>
 
@@ -3298,9 +3349,9 @@
             <a:extLst/>
           </a:lstStyle>
           <a:p>
-            <a:fld id="{C0B23623-7F58-4EE6-BDF0-5EB7533134DE}" type="datetimeFigureOut">
-              <a:rPr lang="de-DE" smtClean="0"/>
-              <a:t>14.11.2022</a:t>
+            <a:fld id="{CEB21C61-B5AE-4647-999B-88F6E6699E5E}" type="datetime2">
+              <a:rPr lang="en-GB" smtClean="0"/>
+              <a:t>Monday, 21 November 2022</a:t>
             </a:fld>
             <a:endParaRPr lang="de-DE"/>
           </a:p>
@@ -3323,6 +3374,10 @@
             <a:extLst/>
           </a:lstStyle>
           <a:p>
+            <a:r>
+              <a:rPr lang="de-DE" smtClean="0"/>
+              <a:t>https://github.com/ethernalraine/uni</a:t>
+            </a:r>
             <a:endParaRPr lang="de-DE"/>
           </a:p>
         </p:txBody>
@@ -3346,6 +3401,7 @@
           <a:p>
             <a:fld id="{F59C70E6-6C27-47C3-B56D-C58F40D84728}" type="slidenum">
               <a:rPr lang="de-DE" smtClean="0"/>
+              <a:pPr/>
               <a:t>‹#›</a:t>
             </a:fld>
             <a:endParaRPr lang="de-DE"/>
@@ -3683,6 +3739,9 @@
   <p:clrMapOvr>
     <a:masterClrMapping/>
   </p:clrMapOvr>
+  <p:transition>
+    <p:fade/>
+  </p:transition>
 </p:sldLayout>
 </file>
 
@@ -3898,9 +3957,9 @@
             <a:extLst/>
           </a:lstStyle>
           <a:p>
-            <a:fld id="{C0B23623-7F58-4EE6-BDF0-5EB7533134DE}" type="datetimeFigureOut">
-              <a:rPr lang="de-DE" smtClean="0"/>
-              <a:t>14.11.2022</a:t>
+            <a:fld id="{E02E131B-0750-4231-A73B-9C3F762AB729}" type="datetime2">
+              <a:rPr lang="en-GB" smtClean="0"/>
+              <a:t>Monday, 21 November 2022</a:t>
             </a:fld>
             <a:endParaRPr lang="de-DE"/>
           </a:p>
@@ -3923,6 +3982,10 @@
             <a:extLst/>
           </a:lstStyle>
           <a:p>
+            <a:r>
+              <a:rPr lang="de-DE" smtClean="0"/>
+              <a:t>https://github.com/ethernalraine/uni</a:t>
+            </a:r>
             <a:endParaRPr lang="de-DE"/>
           </a:p>
         </p:txBody>
@@ -3946,6 +4009,7 @@
           <a:p>
             <a:fld id="{F59C70E6-6C27-47C3-B56D-C58F40D84728}" type="slidenum">
               <a:rPr lang="de-DE" smtClean="0"/>
+              <a:pPr/>
               <a:t>‹#›</a:t>
             </a:fld>
             <a:endParaRPr lang="de-DE"/>
@@ -3957,6 +4021,9 @@
   <p:clrMapOvr>
     <a:masterClrMapping/>
   </p:clrMapOvr>
+  <p:transition>
+    <p:fade/>
+  </p:transition>
 </p:sldLayout>
 </file>
 
@@ -4335,9 +4402,9 @@
             <a:extLst/>
           </a:lstStyle>
           <a:p>
-            <a:fld id="{C0B23623-7F58-4EE6-BDF0-5EB7533134DE}" type="datetimeFigureOut">
-              <a:rPr lang="de-DE" smtClean="0"/>
-              <a:t>14.11.2022</a:t>
+            <a:fld id="{C0169CD5-2D17-4BFC-B4CA-5015FC081A30}" type="datetime2">
+              <a:rPr lang="en-GB" smtClean="0"/>
+              <a:t>Monday, 21 November 2022</a:t>
             </a:fld>
             <a:endParaRPr lang="de-DE"/>
           </a:p>
@@ -4360,6 +4427,10 @@
             <a:extLst/>
           </a:lstStyle>
           <a:p>
+            <a:r>
+              <a:rPr lang="de-DE" smtClean="0"/>
+              <a:t>https://github.com/ethernalraine/uni</a:t>
+            </a:r>
             <a:endParaRPr lang="de-DE"/>
           </a:p>
         </p:txBody>
@@ -4383,6 +4454,7 @@
           <a:p>
             <a:fld id="{F59C70E6-6C27-47C3-B56D-C58F40D84728}" type="slidenum">
               <a:rPr lang="de-DE" smtClean="0"/>
+              <a:pPr/>
               <a:t>‹#›</a:t>
             </a:fld>
             <a:endParaRPr lang="de-DE"/>
@@ -4826,6 +4898,9 @@
   <p:clrMapOvr>
     <a:masterClrMapping/>
   </p:clrMapOvr>
+  <p:transition>
+    <p:fade/>
+  </p:transition>
 </p:sldLayout>
 </file>
 
@@ -4896,9 +4971,9 @@
             <a:extLst/>
           </a:lstStyle>
           <a:p>
-            <a:fld id="{C0B23623-7F58-4EE6-BDF0-5EB7533134DE}" type="datetimeFigureOut">
-              <a:rPr lang="de-DE" smtClean="0"/>
-              <a:t>14.11.2022</a:t>
+            <a:fld id="{AFCF8A9D-0012-4A6C-9ADB-5273691F8CD1}" type="datetime2">
+              <a:rPr lang="en-GB" smtClean="0"/>
+              <a:t>Monday, 21 November 2022</a:t>
             </a:fld>
             <a:endParaRPr lang="de-DE"/>
           </a:p>
@@ -4921,6 +4996,10 @@
             <a:extLst/>
           </a:lstStyle>
           <a:p>
+            <a:r>
+              <a:rPr lang="de-DE" smtClean="0"/>
+              <a:t>https://github.com/ethernalraine/uni</a:t>
+            </a:r>
             <a:endParaRPr lang="de-DE"/>
           </a:p>
         </p:txBody>
@@ -4944,6 +5023,7 @@
           <a:p>
             <a:fld id="{F59C70E6-6C27-47C3-B56D-C58F40D84728}" type="slidenum">
               <a:rPr lang="de-DE" smtClean="0"/>
+              <a:pPr/>
               <a:t>‹#›</a:t>
             </a:fld>
             <a:endParaRPr lang="de-DE"/>
@@ -4955,6 +5035,9 @@
   <p:clrMapOvr>
     <a:masterClrMapping/>
   </p:clrMapOvr>
+  <p:transition>
+    <p:fade/>
+  </p:transition>
 </p:sldLayout>
 </file>
 
@@ -4992,9 +5075,9 @@
             <a:extLst/>
           </a:lstStyle>
           <a:p>
-            <a:fld id="{C0B23623-7F58-4EE6-BDF0-5EB7533134DE}" type="datetimeFigureOut">
-              <a:rPr lang="de-DE" smtClean="0"/>
-              <a:t>14.11.2022</a:t>
+            <a:fld id="{D966D15B-A2CF-4F86-B1DE-6D1DCA73A183}" type="datetime2">
+              <a:rPr lang="en-GB" smtClean="0"/>
+              <a:t>Monday, 21 November 2022</a:t>
             </a:fld>
             <a:endParaRPr lang="de-DE"/>
           </a:p>
@@ -5017,6 +5100,10 @@
             <a:extLst/>
           </a:lstStyle>
           <a:p>
+            <a:r>
+              <a:rPr lang="de-DE" smtClean="0"/>
+              <a:t>https://github.com/ethernalraine/uni</a:t>
+            </a:r>
             <a:endParaRPr lang="de-DE"/>
           </a:p>
         </p:txBody>
@@ -5040,6 +5127,7 @@
           <a:p>
             <a:fld id="{F59C70E6-6C27-47C3-B56D-C58F40D84728}" type="slidenum">
               <a:rPr lang="de-DE" smtClean="0"/>
+              <a:pPr/>
               <a:t>‹#›</a:t>
             </a:fld>
             <a:endParaRPr lang="de-DE"/>
@@ -5051,6 +5139,9 @@
   <p:clrMapOvr>
     <a:masterClrMapping/>
   </p:clrMapOvr>
+  <p:transition>
+    <p:fade/>
+  </p:transition>
 </p:sldLayout>
 </file>
 
@@ -5246,9 +5337,9 @@
             <a:extLst/>
           </a:lstStyle>
           <a:p>
-            <a:fld id="{C0B23623-7F58-4EE6-BDF0-5EB7533134DE}" type="datetimeFigureOut">
-              <a:rPr lang="de-DE" smtClean="0"/>
-              <a:t>14.11.2022</a:t>
+            <a:fld id="{C56947AE-4D7C-496A-820E-ACFCE03FDBE7}" type="datetime2">
+              <a:rPr lang="en-GB" smtClean="0"/>
+              <a:t>Monday, 21 November 2022</a:t>
             </a:fld>
             <a:endParaRPr lang="de-DE"/>
           </a:p>
@@ -5271,6 +5362,10 @@
             <a:extLst/>
           </a:lstStyle>
           <a:p>
+            <a:r>
+              <a:rPr lang="de-DE" smtClean="0"/>
+              <a:t>https://github.com/ethernalraine/uni</a:t>
+            </a:r>
             <a:endParaRPr lang="de-DE"/>
           </a:p>
         </p:txBody>
@@ -5294,6 +5389,7 @@
           <a:p>
             <a:fld id="{F59C70E6-6C27-47C3-B56D-C58F40D84728}" type="slidenum">
               <a:rPr lang="de-DE" smtClean="0"/>
+              <a:pPr/>
               <a:t>‹#›</a:t>
             </a:fld>
             <a:endParaRPr lang="de-DE"/>
@@ -5305,6 +5401,9 @@
   <p:clrMapOvr>
     <a:masterClrMapping/>
   </p:clrMapOvr>
+  <p:transition>
+    <p:fade/>
+  </p:transition>
 </p:sldLayout>
 </file>
 
@@ -5967,9 +6066,9 @@
             <a:extLst/>
           </a:lstStyle>
           <a:p>
-            <a:fld id="{C0B23623-7F58-4EE6-BDF0-5EB7533134DE}" type="datetimeFigureOut">
-              <a:rPr lang="de-DE" smtClean="0"/>
-              <a:t>14.11.2022</a:t>
+            <a:fld id="{D6B770AD-1E61-40BE-A67F-5A4CB179EB72}" type="datetime2">
+              <a:rPr lang="en-GB" smtClean="0"/>
+              <a:t>Monday, 21 November 2022</a:t>
             </a:fld>
             <a:endParaRPr lang="de-DE"/>
           </a:p>
@@ -5997,6 +6096,10 @@
             <a:extLst/>
           </a:lstStyle>
           <a:p>
+            <a:r>
+              <a:rPr lang="de-DE" smtClean="0"/>
+              <a:t>https://github.com/ethernalraine/uni</a:t>
+            </a:r>
             <a:endParaRPr lang="de-DE"/>
           </a:p>
         </p:txBody>
@@ -6025,6 +6128,7 @@
           <a:p>
             <a:fld id="{F59C70E6-6C27-47C3-B56D-C58F40D84728}" type="slidenum">
               <a:rPr lang="de-DE" smtClean="0"/>
+              <a:pPr/>
               <a:t>‹#›</a:t>
             </a:fld>
             <a:endParaRPr lang="de-DE"/>
@@ -6036,6 +6140,9 @@
   <p:clrMapOvr>
     <a:masterClrMapping/>
   </p:clrMapOvr>
+  <p:transition>
+    <p:fade/>
+  </p:transition>
 </p:sldLayout>
 </file>
 
@@ -6640,9 +6747,9 @@
             <a:extLst/>
           </a:lstStyle>
           <a:p>
-            <a:fld id="{C0B23623-7F58-4EE6-BDF0-5EB7533134DE}" type="datetimeFigureOut">
-              <a:rPr lang="de-DE" smtClean="0"/>
-              <a:t>14.11.2022</a:t>
+            <a:fld id="{C8EDCF5B-CA18-496F-A3C3-287E63A17817}" type="datetime2">
+              <a:rPr lang="en-GB" smtClean="0"/>
+              <a:t>Monday, 21 November 2022</a:t>
             </a:fld>
             <a:endParaRPr lang="de-DE"/>
           </a:p>
@@ -6680,6 +6787,10 @@
             <a:extLst/>
           </a:lstStyle>
           <a:p>
+            <a:r>
+              <a:rPr lang="de-DE" smtClean="0"/>
+              <a:t>https://github.com/ethernalraine/uni</a:t>
+            </a:r>
             <a:endParaRPr lang="de-DE"/>
           </a:p>
         </p:txBody>
@@ -6718,6 +6829,7 @@
           <a:p>
             <a:fld id="{F59C70E6-6C27-47C3-B56D-C58F40D84728}" type="slidenum">
               <a:rPr lang="de-DE" smtClean="0"/>
+              <a:pPr/>
               <a:t>‹#›</a:t>
             </a:fld>
             <a:endParaRPr lang="de-DE"/>
@@ -6740,6 +6852,10 @@
     <p:sldLayoutId id="2147483682" r:id="rId10"/>
     <p:sldLayoutId id="2147483683" r:id="rId11"/>
   </p:sldLayoutIdLst>
+  <p:transition>
+    <p:fade/>
+  </p:transition>
+  <p:hf hdr="0"/>
   <p:txStyles>
     <p:titleStyle>
       <a:lvl1pPr algn="l" rtl="0" eaLnBrk="1" latinLnBrk="0" hangingPunct="1">
@@ -7125,11 +7241,1465 @@
           </a:prstGeom>
         </p:spPr>
       </p:pic>
+      <p:sp>
+        <p:nvSpPr>
+          <p:cNvPr id="5" name="Date Placeholder 4"/>
+          <p:cNvSpPr>
+            <a:spLocks noGrp="1"/>
+          </p:cNvSpPr>
+          <p:nvPr>
+            <p:ph type="dt" sz="half" idx="10"/>
+          </p:nvPr>
+        </p:nvSpPr>
+        <p:spPr/>
+        <p:txBody>
+          <a:bodyPr/>
+          <a:lstStyle/>
+          <a:p>
+            <a:fld id="{85B662C2-5F8E-4601-B3A6-AFB21F43A081}" type="datetime2">
+              <a:rPr lang="en-GB" smtClean="0"/>
+              <a:t>Tuesday, 22 November 2022</a:t>
+            </a:fld>
+            <a:endParaRPr lang="de-DE"/>
+          </a:p>
+        </p:txBody>
+      </p:sp>
+      <p:sp>
+        <p:nvSpPr>
+          <p:cNvPr id="6" name="Slide Number Placeholder 5"/>
+          <p:cNvSpPr>
+            <a:spLocks noGrp="1"/>
+          </p:cNvSpPr>
+          <p:nvPr>
+            <p:ph type="sldNum" sz="quarter" idx="12"/>
+          </p:nvPr>
+        </p:nvSpPr>
+        <p:spPr/>
+        <p:txBody>
+          <a:bodyPr/>
+          <a:lstStyle/>
+          <a:p>
+            <a:fld id="{F59C70E6-6C27-47C3-B56D-C58F40D84728}" type="slidenum">
+              <a:rPr lang="de-DE" smtClean="0"/>
+              <a:pPr/>
+              <a:t>1</a:t>
+            </a:fld>
+            <a:endParaRPr lang="de-DE"/>
+          </a:p>
+        </p:txBody>
+      </p:sp>
+      <p:sp>
+        <p:nvSpPr>
+          <p:cNvPr id="7" name="Footer Placeholder 6"/>
+          <p:cNvSpPr>
+            <a:spLocks noGrp="1"/>
+          </p:cNvSpPr>
+          <p:nvPr>
+            <p:ph type="ftr" sz="quarter" idx="11"/>
+          </p:nvPr>
+        </p:nvSpPr>
+        <p:spPr/>
+        <p:txBody>
+          <a:bodyPr/>
+          <a:lstStyle/>
+          <a:p>
+            <a:r>
+              <a:rPr lang="de-DE" smtClean="0"/>
+              <a:t>https://github.com/ethernalraine/uni</a:t>
+            </a:r>
+            <a:endParaRPr lang="de-DE"/>
+          </a:p>
+        </p:txBody>
+      </p:sp>
     </p:spTree>
   </p:cSld>
   <p:clrMapOvr>
     <a:masterClrMapping/>
   </p:clrMapOvr>
+  <p:transition>
+    <p:fade/>
+  </p:transition>
+  <p:timing>
+    <p:tnLst>
+      <p:par>
+        <p:cTn id="1" dur="indefinite" restart="never" nodeType="tmRoot"/>
+      </p:par>
+    </p:tnLst>
+  </p:timing>
+</p:sld>
+</file>
+
+<file path=ppt/slides/slide10.xml><?xml version="1.0" encoding="utf-8"?>
+<p:sld xmlns:a="http://schemas.openxmlformats.org/drawingml/2006/main" xmlns:r="http://schemas.openxmlformats.org/officeDocument/2006/relationships" xmlns:p="http://schemas.openxmlformats.org/presentationml/2006/main">
+  <p:cSld>
+    <p:spTree>
+      <p:nvGrpSpPr>
+        <p:cNvPr id="1" name=""/>
+        <p:cNvGrpSpPr/>
+        <p:nvPr/>
+      </p:nvGrpSpPr>
+      <p:grpSpPr>
+        <a:xfrm>
+          <a:off x="0" y="0"/>
+          <a:ext cx="0" cy="0"/>
+          <a:chOff x="0" y="0"/>
+          <a:chExt cx="0" cy="0"/>
+        </a:xfrm>
+      </p:grpSpPr>
+      <p:sp>
+        <p:nvSpPr>
+          <p:cNvPr id="2" name="Title 1"/>
+          <p:cNvSpPr>
+            <a:spLocks noGrp="1"/>
+          </p:cNvSpPr>
+          <p:nvPr>
+            <p:ph type="title"/>
+          </p:nvPr>
+        </p:nvSpPr>
+        <p:spPr/>
+        <p:txBody>
+          <a:bodyPr/>
+          <a:lstStyle/>
+          <a:p>
+            <a:r>
+              <a:rPr lang="en-US" dirty="0" smtClean="0"/>
+              <a:t>Z/ Architecture</a:t>
+            </a:r>
+            <a:endParaRPr lang="de-DE" dirty="0"/>
+          </a:p>
+        </p:txBody>
+      </p:sp>
+      <p:sp>
+        <p:nvSpPr>
+          <p:cNvPr id="3" name="Content Placeholder 2"/>
+          <p:cNvSpPr>
+            <a:spLocks noGrp="1"/>
+          </p:cNvSpPr>
+          <p:nvPr>
+            <p:ph idx="1"/>
+          </p:nvPr>
+        </p:nvSpPr>
+        <p:spPr/>
+        <p:txBody>
+          <a:bodyPr/>
+          <a:lstStyle/>
+          <a:p>
+            <a:r>
+              <a:rPr lang="en-US" dirty="0" smtClean="0"/>
+              <a:t>64-Bit  Complex-ISA</a:t>
+            </a:r>
+          </a:p>
+          <a:p>
+            <a:endParaRPr lang="de-DE" dirty="0"/>
+          </a:p>
+        </p:txBody>
+      </p:sp>
+      <p:sp>
+        <p:nvSpPr>
+          <p:cNvPr id="4" name="Date Placeholder 3"/>
+          <p:cNvSpPr>
+            <a:spLocks noGrp="1"/>
+          </p:cNvSpPr>
+          <p:nvPr>
+            <p:ph type="dt" sz="half" idx="10"/>
+          </p:nvPr>
+        </p:nvSpPr>
+        <p:spPr/>
+        <p:txBody>
+          <a:bodyPr/>
+          <a:lstStyle/>
+          <a:p>
+            <a:fld id="{2F24D774-82B6-42EB-A1A4-049951F87FBC}" type="datetime2">
+              <a:rPr lang="en-GB" smtClean="0"/>
+              <a:t>Tuesday, 22 November 2022</a:t>
+            </a:fld>
+            <a:endParaRPr lang="de-DE"/>
+          </a:p>
+        </p:txBody>
+      </p:sp>
+      <p:sp>
+        <p:nvSpPr>
+          <p:cNvPr id="5" name="Slide Number Placeholder 4"/>
+          <p:cNvSpPr>
+            <a:spLocks noGrp="1"/>
+          </p:cNvSpPr>
+          <p:nvPr>
+            <p:ph type="sldNum" sz="quarter" idx="12"/>
+          </p:nvPr>
+        </p:nvSpPr>
+        <p:spPr/>
+        <p:txBody>
+          <a:bodyPr/>
+          <a:lstStyle/>
+          <a:p>
+            <a:fld id="{F59C70E6-6C27-47C3-B56D-C58F40D84728}" type="slidenum">
+              <a:rPr lang="de-DE" smtClean="0"/>
+              <a:pPr/>
+              <a:t>10</a:t>
+            </a:fld>
+            <a:endParaRPr lang="de-DE"/>
+          </a:p>
+        </p:txBody>
+      </p:sp>
+      <p:sp>
+        <p:nvSpPr>
+          <p:cNvPr id="6" name="Footer Placeholder 5"/>
+          <p:cNvSpPr>
+            <a:spLocks noGrp="1"/>
+          </p:cNvSpPr>
+          <p:nvPr>
+            <p:ph type="ftr" sz="quarter" idx="11"/>
+          </p:nvPr>
+        </p:nvSpPr>
+        <p:spPr/>
+        <p:txBody>
+          <a:bodyPr/>
+          <a:lstStyle/>
+          <a:p>
+            <a:r>
+              <a:rPr lang="de-DE" smtClean="0"/>
+              <a:t>https://github.com/ethernalraine/uni</a:t>
+            </a:r>
+            <a:endParaRPr lang="de-DE"/>
+          </a:p>
+        </p:txBody>
+      </p:sp>
+    </p:spTree>
+  </p:cSld>
+  <p:clrMapOvr>
+    <a:masterClrMapping/>
+  </p:clrMapOvr>
+  <p:transition>
+    <p:fade/>
+  </p:transition>
+  <p:timing>
+    <p:tnLst>
+      <p:par>
+        <p:cTn id="1" dur="indefinite" restart="never" nodeType="tmRoot"/>
+      </p:par>
+    </p:tnLst>
+  </p:timing>
+</p:sld>
+</file>
+
+<file path=ppt/slides/slide11.xml><?xml version="1.0" encoding="utf-8"?>
+<p:sld xmlns:a="http://schemas.openxmlformats.org/drawingml/2006/main" xmlns:r="http://schemas.openxmlformats.org/officeDocument/2006/relationships" xmlns:p="http://schemas.openxmlformats.org/presentationml/2006/main">
+  <p:cSld>
+    <p:spTree>
+      <p:nvGrpSpPr>
+        <p:cNvPr id="1" name=""/>
+        <p:cNvGrpSpPr/>
+        <p:nvPr/>
+      </p:nvGrpSpPr>
+      <p:grpSpPr>
+        <a:xfrm>
+          <a:off x="0" y="0"/>
+          <a:ext cx="0" cy="0"/>
+          <a:chOff x="0" y="0"/>
+          <a:chExt cx="0" cy="0"/>
+        </a:xfrm>
+      </p:grpSpPr>
+      <p:sp>
+        <p:nvSpPr>
+          <p:cNvPr id="2" name="Text Placeholder 1"/>
+          <p:cNvSpPr>
+            <a:spLocks noGrp="1"/>
+          </p:cNvSpPr>
+          <p:nvPr>
+            <p:ph type="body" idx="1"/>
+          </p:nvPr>
+        </p:nvSpPr>
+        <p:spPr/>
+        <p:txBody>
+          <a:bodyPr/>
+          <a:lstStyle/>
+          <a:p>
+            <a:r>
+              <a:rPr lang="en-US" dirty="0" smtClean="0"/>
+              <a:t>Where are they used? What are they used for? Why would you consider using one? And what did it bring to the table for modern computing?</a:t>
+            </a:r>
+            <a:endParaRPr lang="de-DE" dirty="0"/>
+          </a:p>
+        </p:txBody>
+      </p:sp>
+      <p:sp>
+        <p:nvSpPr>
+          <p:cNvPr id="3" name="Title 2"/>
+          <p:cNvSpPr>
+            <a:spLocks noGrp="1"/>
+          </p:cNvSpPr>
+          <p:nvPr>
+            <p:ph type="title"/>
+          </p:nvPr>
+        </p:nvSpPr>
+        <p:spPr/>
+        <p:txBody>
+          <a:bodyPr/>
+          <a:lstStyle/>
+          <a:p>
+            <a:r>
+              <a:rPr lang="en-US" dirty="0" smtClean="0"/>
+              <a:t>Usage of IBM Mainframes</a:t>
+            </a:r>
+            <a:endParaRPr lang="de-DE" dirty="0"/>
+          </a:p>
+        </p:txBody>
+      </p:sp>
+      <p:sp>
+        <p:nvSpPr>
+          <p:cNvPr id="4" name="Date Placeholder 3"/>
+          <p:cNvSpPr>
+            <a:spLocks noGrp="1"/>
+          </p:cNvSpPr>
+          <p:nvPr>
+            <p:ph type="dt" sz="half" idx="10"/>
+          </p:nvPr>
+        </p:nvSpPr>
+        <p:spPr/>
+        <p:txBody>
+          <a:bodyPr/>
+          <a:lstStyle/>
+          <a:p>
+            <a:fld id="{EF338654-C894-4A41-BD42-879210E79E1D}" type="datetime2">
+              <a:rPr lang="en-GB" smtClean="0"/>
+              <a:t>Tuesday, 22 November 2022</a:t>
+            </a:fld>
+            <a:endParaRPr lang="de-DE"/>
+          </a:p>
+        </p:txBody>
+      </p:sp>
+      <p:sp>
+        <p:nvSpPr>
+          <p:cNvPr id="5" name="Slide Number Placeholder 4"/>
+          <p:cNvSpPr>
+            <a:spLocks noGrp="1"/>
+          </p:cNvSpPr>
+          <p:nvPr>
+            <p:ph type="sldNum" sz="quarter" idx="12"/>
+          </p:nvPr>
+        </p:nvSpPr>
+        <p:spPr/>
+        <p:txBody>
+          <a:bodyPr/>
+          <a:lstStyle/>
+          <a:p>
+            <a:fld id="{F59C70E6-6C27-47C3-B56D-C58F40D84728}" type="slidenum">
+              <a:rPr lang="de-DE" smtClean="0"/>
+              <a:pPr/>
+              <a:t>11</a:t>
+            </a:fld>
+            <a:endParaRPr lang="de-DE"/>
+          </a:p>
+        </p:txBody>
+      </p:sp>
+      <p:sp>
+        <p:nvSpPr>
+          <p:cNvPr id="6" name="Footer Placeholder 5"/>
+          <p:cNvSpPr>
+            <a:spLocks noGrp="1"/>
+          </p:cNvSpPr>
+          <p:nvPr>
+            <p:ph type="ftr" sz="quarter" idx="11"/>
+          </p:nvPr>
+        </p:nvSpPr>
+        <p:spPr/>
+        <p:txBody>
+          <a:bodyPr/>
+          <a:lstStyle/>
+          <a:p>
+            <a:r>
+              <a:rPr lang="de-DE" smtClean="0"/>
+              <a:t>https://github.com/ethernalraine/uni</a:t>
+            </a:r>
+            <a:endParaRPr lang="de-DE"/>
+          </a:p>
+        </p:txBody>
+      </p:sp>
+    </p:spTree>
+  </p:cSld>
+  <p:clrMapOvr>
+    <a:masterClrMapping/>
+  </p:clrMapOvr>
+  <p:transition>
+    <p:fade/>
+  </p:transition>
+  <p:timing>
+    <p:tnLst>
+      <p:par>
+        <p:cTn id="1" dur="indefinite" restart="never" nodeType="tmRoot"/>
+      </p:par>
+    </p:tnLst>
+  </p:timing>
+</p:sld>
+</file>
+
+<file path=ppt/slides/slide12.xml><?xml version="1.0" encoding="utf-8"?>
+<p:sld xmlns:a="http://schemas.openxmlformats.org/drawingml/2006/main" xmlns:r="http://schemas.openxmlformats.org/officeDocument/2006/relationships" xmlns:p="http://schemas.openxmlformats.org/presentationml/2006/main">
+  <p:cSld>
+    <p:spTree>
+      <p:nvGrpSpPr>
+        <p:cNvPr id="1" name=""/>
+        <p:cNvGrpSpPr/>
+        <p:nvPr/>
+      </p:nvGrpSpPr>
+      <p:grpSpPr>
+        <a:xfrm>
+          <a:off x="0" y="0"/>
+          <a:ext cx="0" cy="0"/>
+          <a:chOff x="0" y="0"/>
+          <a:chExt cx="0" cy="0"/>
+        </a:xfrm>
+      </p:grpSpPr>
+      <p:sp>
+        <p:nvSpPr>
+          <p:cNvPr id="2" name="Title 1"/>
+          <p:cNvSpPr>
+            <a:spLocks noGrp="1"/>
+          </p:cNvSpPr>
+          <p:nvPr>
+            <p:ph type="title"/>
+          </p:nvPr>
+        </p:nvSpPr>
+        <p:spPr/>
+        <p:txBody>
+          <a:bodyPr/>
+          <a:lstStyle/>
+          <a:p>
+            <a:r>
+              <a:rPr lang="en-US" dirty="0" smtClean="0"/>
+              <a:t>Deployments</a:t>
+            </a:r>
+            <a:endParaRPr lang="de-DE" dirty="0"/>
+          </a:p>
+        </p:txBody>
+      </p:sp>
+      <p:sp>
+        <p:nvSpPr>
+          <p:cNvPr id="3" name="Content Placeholder 2"/>
+          <p:cNvSpPr>
+            <a:spLocks noGrp="1"/>
+          </p:cNvSpPr>
+          <p:nvPr>
+            <p:ph idx="1"/>
+          </p:nvPr>
+        </p:nvSpPr>
+        <p:spPr/>
+        <p:txBody>
+          <a:bodyPr/>
+          <a:lstStyle/>
+          <a:p>
+            <a:endParaRPr lang="de-DE"/>
+          </a:p>
+        </p:txBody>
+      </p:sp>
+      <p:sp>
+        <p:nvSpPr>
+          <p:cNvPr id="4" name="Date Placeholder 3"/>
+          <p:cNvSpPr>
+            <a:spLocks noGrp="1"/>
+          </p:cNvSpPr>
+          <p:nvPr>
+            <p:ph type="dt" sz="half" idx="10"/>
+          </p:nvPr>
+        </p:nvSpPr>
+        <p:spPr/>
+        <p:txBody>
+          <a:bodyPr/>
+          <a:lstStyle/>
+          <a:p>
+            <a:fld id="{97E39C32-B6DB-4987-9ADE-3E92FBE8E0C9}" type="datetime2">
+              <a:rPr lang="en-GB" smtClean="0"/>
+              <a:t>Tuesday, 22 November 2022</a:t>
+            </a:fld>
+            <a:endParaRPr lang="de-DE"/>
+          </a:p>
+        </p:txBody>
+      </p:sp>
+      <p:sp>
+        <p:nvSpPr>
+          <p:cNvPr id="5" name="Slide Number Placeholder 4"/>
+          <p:cNvSpPr>
+            <a:spLocks noGrp="1"/>
+          </p:cNvSpPr>
+          <p:nvPr>
+            <p:ph type="sldNum" sz="quarter" idx="12"/>
+          </p:nvPr>
+        </p:nvSpPr>
+        <p:spPr/>
+        <p:txBody>
+          <a:bodyPr/>
+          <a:lstStyle/>
+          <a:p>
+            <a:fld id="{F59C70E6-6C27-47C3-B56D-C58F40D84728}" type="slidenum">
+              <a:rPr lang="de-DE" smtClean="0"/>
+              <a:pPr/>
+              <a:t>12</a:t>
+            </a:fld>
+            <a:endParaRPr lang="de-DE"/>
+          </a:p>
+        </p:txBody>
+      </p:sp>
+      <p:sp>
+        <p:nvSpPr>
+          <p:cNvPr id="6" name="Footer Placeholder 5"/>
+          <p:cNvSpPr>
+            <a:spLocks noGrp="1"/>
+          </p:cNvSpPr>
+          <p:nvPr>
+            <p:ph type="ftr" sz="quarter" idx="11"/>
+          </p:nvPr>
+        </p:nvSpPr>
+        <p:spPr/>
+        <p:txBody>
+          <a:bodyPr/>
+          <a:lstStyle/>
+          <a:p>
+            <a:r>
+              <a:rPr lang="de-DE" smtClean="0"/>
+              <a:t>https://github.com/ethernalraine/uni</a:t>
+            </a:r>
+            <a:endParaRPr lang="de-DE"/>
+          </a:p>
+        </p:txBody>
+      </p:sp>
+    </p:spTree>
+  </p:cSld>
+  <p:clrMapOvr>
+    <a:masterClrMapping/>
+  </p:clrMapOvr>
+  <p:transition>
+    <p:fade/>
+  </p:transition>
+  <p:timing>
+    <p:tnLst>
+      <p:par>
+        <p:cTn id="1" dur="indefinite" restart="never" nodeType="tmRoot"/>
+      </p:par>
+    </p:tnLst>
+  </p:timing>
+</p:sld>
+</file>
+
+<file path=ppt/slides/slide13.xml><?xml version="1.0" encoding="utf-8"?>
+<p:sld xmlns:a="http://schemas.openxmlformats.org/drawingml/2006/main" xmlns:r="http://schemas.openxmlformats.org/officeDocument/2006/relationships" xmlns:p="http://schemas.openxmlformats.org/presentationml/2006/main">
+  <p:cSld>
+    <p:spTree>
+      <p:nvGrpSpPr>
+        <p:cNvPr id="1" name=""/>
+        <p:cNvGrpSpPr/>
+        <p:nvPr/>
+      </p:nvGrpSpPr>
+      <p:grpSpPr>
+        <a:xfrm>
+          <a:off x="0" y="0"/>
+          <a:ext cx="0" cy="0"/>
+          <a:chOff x="0" y="0"/>
+          <a:chExt cx="0" cy="0"/>
+        </a:xfrm>
+      </p:grpSpPr>
+      <p:sp>
+        <p:nvSpPr>
+          <p:cNvPr id="2" name="Title 1"/>
+          <p:cNvSpPr>
+            <a:spLocks noGrp="1"/>
+          </p:cNvSpPr>
+          <p:nvPr>
+            <p:ph type="title"/>
+          </p:nvPr>
+        </p:nvSpPr>
+        <p:spPr/>
+        <p:txBody>
+          <a:bodyPr/>
+          <a:lstStyle/>
+          <a:p>
+            <a:r>
+              <a:rPr lang="en-US" dirty="0" smtClean="0"/>
+              <a:t>Influences</a:t>
+            </a:r>
+            <a:endParaRPr lang="de-DE" dirty="0"/>
+          </a:p>
+        </p:txBody>
+      </p:sp>
+      <p:sp>
+        <p:nvSpPr>
+          <p:cNvPr id="3" name="Content Placeholder 2"/>
+          <p:cNvSpPr>
+            <a:spLocks noGrp="1"/>
+          </p:cNvSpPr>
+          <p:nvPr>
+            <p:ph idx="1"/>
+          </p:nvPr>
+        </p:nvSpPr>
+        <p:spPr/>
+        <p:txBody>
+          <a:bodyPr/>
+          <a:lstStyle/>
+          <a:p>
+            <a:endParaRPr lang="de-DE"/>
+          </a:p>
+        </p:txBody>
+      </p:sp>
+      <p:sp>
+        <p:nvSpPr>
+          <p:cNvPr id="4" name="Date Placeholder 3"/>
+          <p:cNvSpPr>
+            <a:spLocks noGrp="1"/>
+          </p:cNvSpPr>
+          <p:nvPr>
+            <p:ph type="dt" sz="half" idx="10"/>
+          </p:nvPr>
+        </p:nvSpPr>
+        <p:spPr/>
+        <p:txBody>
+          <a:bodyPr/>
+          <a:lstStyle/>
+          <a:p>
+            <a:fld id="{1E4C02FC-2F11-4572-B63F-79EFAC34B5B9}" type="datetime2">
+              <a:rPr lang="en-GB" smtClean="0"/>
+              <a:t>Tuesday, 22 November 2022</a:t>
+            </a:fld>
+            <a:endParaRPr lang="de-DE"/>
+          </a:p>
+        </p:txBody>
+      </p:sp>
+      <p:sp>
+        <p:nvSpPr>
+          <p:cNvPr id="5" name="Slide Number Placeholder 4"/>
+          <p:cNvSpPr>
+            <a:spLocks noGrp="1"/>
+          </p:cNvSpPr>
+          <p:nvPr>
+            <p:ph type="sldNum" sz="quarter" idx="12"/>
+          </p:nvPr>
+        </p:nvSpPr>
+        <p:spPr/>
+        <p:txBody>
+          <a:bodyPr/>
+          <a:lstStyle/>
+          <a:p>
+            <a:fld id="{F59C70E6-6C27-47C3-B56D-C58F40D84728}" type="slidenum">
+              <a:rPr lang="de-DE" smtClean="0"/>
+              <a:pPr/>
+              <a:t>13</a:t>
+            </a:fld>
+            <a:endParaRPr lang="de-DE"/>
+          </a:p>
+        </p:txBody>
+      </p:sp>
+      <p:sp>
+        <p:nvSpPr>
+          <p:cNvPr id="6" name="Footer Placeholder 5"/>
+          <p:cNvSpPr>
+            <a:spLocks noGrp="1"/>
+          </p:cNvSpPr>
+          <p:nvPr>
+            <p:ph type="ftr" sz="quarter" idx="11"/>
+          </p:nvPr>
+        </p:nvSpPr>
+        <p:spPr/>
+        <p:txBody>
+          <a:bodyPr/>
+          <a:lstStyle/>
+          <a:p>
+            <a:r>
+              <a:rPr lang="de-DE" smtClean="0"/>
+              <a:t>https://github.com/ethernalraine/uni</a:t>
+            </a:r>
+            <a:endParaRPr lang="de-DE"/>
+          </a:p>
+        </p:txBody>
+      </p:sp>
+    </p:spTree>
+  </p:cSld>
+  <p:clrMapOvr>
+    <a:masterClrMapping/>
+  </p:clrMapOvr>
+  <p:transition>
+    <p:fade/>
+  </p:transition>
+  <p:timing>
+    <p:tnLst>
+      <p:par>
+        <p:cTn id="1" dur="indefinite" restart="never" nodeType="tmRoot"/>
+      </p:par>
+    </p:tnLst>
+  </p:timing>
+</p:sld>
+</file>
+
+<file path=ppt/slides/slide14.xml><?xml version="1.0" encoding="utf-8"?>
+<p:sld xmlns:a="http://schemas.openxmlformats.org/drawingml/2006/main" xmlns:r="http://schemas.openxmlformats.org/officeDocument/2006/relationships" xmlns:p="http://schemas.openxmlformats.org/presentationml/2006/main">
+  <p:cSld>
+    <p:spTree>
+      <p:nvGrpSpPr>
+        <p:cNvPr id="1" name=""/>
+        <p:cNvGrpSpPr/>
+        <p:nvPr/>
+      </p:nvGrpSpPr>
+      <p:grpSpPr>
+        <a:xfrm>
+          <a:off x="0" y="0"/>
+          <a:ext cx="0" cy="0"/>
+          <a:chOff x="0" y="0"/>
+          <a:chExt cx="0" cy="0"/>
+        </a:xfrm>
+      </p:grpSpPr>
+      <p:sp>
+        <p:nvSpPr>
+          <p:cNvPr id="2" name="Title 1"/>
+          <p:cNvSpPr>
+            <a:spLocks noGrp="1"/>
+          </p:cNvSpPr>
+          <p:nvPr>
+            <p:ph type="title"/>
+          </p:nvPr>
+        </p:nvSpPr>
+        <p:spPr/>
+        <p:txBody>
+          <a:bodyPr/>
+          <a:lstStyle/>
+          <a:p>
+            <a:r>
+              <a:rPr lang="en-US" dirty="0" smtClean="0"/>
+              <a:t>Historical Reminders</a:t>
+            </a:r>
+            <a:endParaRPr lang="de-DE" dirty="0"/>
+          </a:p>
+        </p:txBody>
+      </p:sp>
+      <p:sp>
+        <p:nvSpPr>
+          <p:cNvPr id="3" name="Content Placeholder 2"/>
+          <p:cNvSpPr>
+            <a:spLocks noGrp="1"/>
+          </p:cNvSpPr>
+          <p:nvPr>
+            <p:ph idx="1"/>
+          </p:nvPr>
+        </p:nvSpPr>
+        <p:spPr/>
+        <p:txBody>
+          <a:bodyPr/>
+          <a:lstStyle/>
+          <a:p>
+            <a:endParaRPr lang="de-DE"/>
+          </a:p>
+        </p:txBody>
+      </p:sp>
+      <p:sp>
+        <p:nvSpPr>
+          <p:cNvPr id="4" name="Date Placeholder 3"/>
+          <p:cNvSpPr>
+            <a:spLocks noGrp="1"/>
+          </p:cNvSpPr>
+          <p:nvPr>
+            <p:ph type="dt" sz="half" idx="10"/>
+          </p:nvPr>
+        </p:nvSpPr>
+        <p:spPr/>
+        <p:txBody>
+          <a:bodyPr/>
+          <a:lstStyle/>
+          <a:p>
+            <a:fld id="{F4E8DF03-E5B2-4A0A-BFD7-5D3736548654}" type="datetime2">
+              <a:rPr lang="en-GB" smtClean="0"/>
+              <a:t>Tuesday, 22 November 2022</a:t>
+            </a:fld>
+            <a:endParaRPr lang="de-DE"/>
+          </a:p>
+        </p:txBody>
+      </p:sp>
+      <p:sp>
+        <p:nvSpPr>
+          <p:cNvPr id="5" name="Slide Number Placeholder 4"/>
+          <p:cNvSpPr>
+            <a:spLocks noGrp="1"/>
+          </p:cNvSpPr>
+          <p:nvPr>
+            <p:ph type="sldNum" sz="quarter" idx="12"/>
+          </p:nvPr>
+        </p:nvSpPr>
+        <p:spPr/>
+        <p:txBody>
+          <a:bodyPr/>
+          <a:lstStyle/>
+          <a:p>
+            <a:fld id="{F59C70E6-6C27-47C3-B56D-C58F40D84728}" type="slidenum">
+              <a:rPr lang="de-DE" smtClean="0"/>
+              <a:pPr/>
+              <a:t>14</a:t>
+            </a:fld>
+            <a:endParaRPr lang="de-DE"/>
+          </a:p>
+        </p:txBody>
+      </p:sp>
+      <p:sp>
+        <p:nvSpPr>
+          <p:cNvPr id="6" name="Footer Placeholder 5"/>
+          <p:cNvSpPr>
+            <a:spLocks noGrp="1"/>
+          </p:cNvSpPr>
+          <p:nvPr>
+            <p:ph type="ftr" sz="quarter" idx="11"/>
+          </p:nvPr>
+        </p:nvSpPr>
+        <p:spPr/>
+        <p:txBody>
+          <a:bodyPr/>
+          <a:lstStyle/>
+          <a:p>
+            <a:r>
+              <a:rPr lang="de-DE" smtClean="0"/>
+              <a:t>https://github.com/ethernalraine/uni</a:t>
+            </a:r>
+            <a:endParaRPr lang="de-DE"/>
+          </a:p>
+        </p:txBody>
+      </p:sp>
+    </p:spTree>
+  </p:cSld>
+  <p:clrMapOvr>
+    <a:masterClrMapping/>
+  </p:clrMapOvr>
+  <p:transition>
+    <p:fade/>
+  </p:transition>
+  <p:timing>
+    <p:tnLst>
+      <p:par>
+        <p:cTn id="1" dur="indefinite" restart="never" nodeType="tmRoot"/>
+      </p:par>
+    </p:tnLst>
+  </p:timing>
+</p:sld>
+</file>
+
+<file path=ppt/slides/slide15.xml><?xml version="1.0" encoding="utf-8"?>
+<p:sld xmlns:a="http://schemas.openxmlformats.org/drawingml/2006/main" xmlns:r="http://schemas.openxmlformats.org/officeDocument/2006/relationships" xmlns:p="http://schemas.openxmlformats.org/presentationml/2006/main">
+  <p:cSld>
+    <p:spTree>
+      <p:nvGrpSpPr>
+        <p:cNvPr id="1" name=""/>
+        <p:cNvGrpSpPr/>
+        <p:nvPr/>
+      </p:nvGrpSpPr>
+      <p:grpSpPr>
+        <a:xfrm>
+          <a:off x="0" y="0"/>
+          <a:ext cx="0" cy="0"/>
+          <a:chOff x="0" y="0"/>
+          <a:chExt cx="0" cy="0"/>
+        </a:xfrm>
+      </p:grpSpPr>
+      <p:sp>
+        <p:nvSpPr>
+          <p:cNvPr id="2" name="Title 1"/>
+          <p:cNvSpPr>
+            <a:spLocks noGrp="1"/>
+          </p:cNvSpPr>
+          <p:nvPr>
+            <p:ph type="title"/>
+          </p:nvPr>
+        </p:nvSpPr>
+        <p:spPr/>
+        <p:txBody>
+          <a:bodyPr/>
+          <a:lstStyle/>
+          <a:p>
+            <a:r>
+              <a:rPr lang="en-US" dirty="0" smtClean="0"/>
+              <a:t>Field Advancements</a:t>
+            </a:r>
+            <a:endParaRPr lang="de-DE" dirty="0"/>
+          </a:p>
+        </p:txBody>
+      </p:sp>
+      <p:sp>
+        <p:nvSpPr>
+          <p:cNvPr id="3" name="Content Placeholder 2"/>
+          <p:cNvSpPr>
+            <a:spLocks noGrp="1"/>
+          </p:cNvSpPr>
+          <p:nvPr>
+            <p:ph idx="1"/>
+          </p:nvPr>
+        </p:nvSpPr>
+        <p:spPr/>
+        <p:txBody>
+          <a:bodyPr/>
+          <a:lstStyle/>
+          <a:p>
+            <a:endParaRPr lang="de-DE"/>
+          </a:p>
+        </p:txBody>
+      </p:sp>
+      <p:sp>
+        <p:nvSpPr>
+          <p:cNvPr id="4" name="Date Placeholder 3"/>
+          <p:cNvSpPr>
+            <a:spLocks noGrp="1"/>
+          </p:cNvSpPr>
+          <p:nvPr>
+            <p:ph type="dt" sz="half" idx="10"/>
+          </p:nvPr>
+        </p:nvSpPr>
+        <p:spPr/>
+        <p:txBody>
+          <a:bodyPr/>
+          <a:lstStyle/>
+          <a:p>
+            <a:fld id="{EB4FFFB8-79E1-4595-A1B1-EE7DF202F071}" type="datetime2">
+              <a:rPr lang="en-GB" smtClean="0"/>
+              <a:t>Tuesday, 22 November 2022</a:t>
+            </a:fld>
+            <a:endParaRPr lang="de-DE"/>
+          </a:p>
+        </p:txBody>
+      </p:sp>
+      <p:sp>
+        <p:nvSpPr>
+          <p:cNvPr id="5" name="Slide Number Placeholder 4"/>
+          <p:cNvSpPr>
+            <a:spLocks noGrp="1"/>
+          </p:cNvSpPr>
+          <p:nvPr>
+            <p:ph type="sldNum" sz="quarter" idx="12"/>
+          </p:nvPr>
+        </p:nvSpPr>
+        <p:spPr/>
+        <p:txBody>
+          <a:bodyPr/>
+          <a:lstStyle/>
+          <a:p>
+            <a:fld id="{F59C70E6-6C27-47C3-B56D-C58F40D84728}" type="slidenum">
+              <a:rPr lang="de-DE" smtClean="0"/>
+              <a:pPr/>
+              <a:t>15</a:t>
+            </a:fld>
+            <a:endParaRPr lang="de-DE"/>
+          </a:p>
+        </p:txBody>
+      </p:sp>
+      <p:sp>
+        <p:nvSpPr>
+          <p:cNvPr id="6" name="Footer Placeholder 5"/>
+          <p:cNvSpPr>
+            <a:spLocks noGrp="1"/>
+          </p:cNvSpPr>
+          <p:nvPr>
+            <p:ph type="ftr" sz="quarter" idx="11"/>
+          </p:nvPr>
+        </p:nvSpPr>
+        <p:spPr/>
+        <p:txBody>
+          <a:bodyPr/>
+          <a:lstStyle/>
+          <a:p>
+            <a:r>
+              <a:rPr lang="de-DE" smtClean="0"/>
+              <a:t>https://github.com/ethernalraine/uni</a:t>
+            </a:r>
+            <a:endParaRPr lang="de-DE"/>
+          </a:p>
+        </p:txBody>
+      </p:sp>
+    </p:spTree>
+  </p:cSld>
+  <p:clrMapOvr>
+    <a:masterClrMapping/>
+  </p:clrMapOvr>
+  <p:transition>
+    <p:fade/>
+  </p:transition>
+  <p:timing>
+    <p:tnLst>
+      <p:par>
+        <p:cTn id="1" dur="indefinite" restart="never" nodeType="tmRoot"/>
+      </p:par>
+    </p:tnLst>
+  </p:timing>
+</p:sld>
+</file>
+
+<file path=ppt/slides/slide16.xml><?xml version="1.0" encoding="utf-8"?>
+<p:sld xmlns:a="http://schemas.openxmlformats.org/drawingml/2006/main" xmlns:r="http://schemas.openxmlformats.org/officeDocument/2006/relationships" xmlns:p="http://schemas.openxmlformats.org/presentationml/2006/main">
+  <p:cSld>
+    <p:spTree>
+      <p:nvGrpSpPr>
+        <p:cNvPr id="1" name=""/>
+        <p:cNvGrpSpPr/>
+        <p:nvPr/>
+      </p:nvGrpSpPr>
+      <p:grpSpPr>
+        <a:xfrm>
+          <a:off x="0" y="0"/>
+          <a:ext cx="0" cy="0"/>
+          <a:chOff x="0" y="0"/>
+          <a:chExt cx="0" cy="0"/>
+        </a:xfrm>
+      </p:grpSpPr>
+      <p:sp>
+        <p:nvSpPr>
+          <p:cNvPr id="2" name="Text Placeholder 1"/>
+          <p:cNvSpPr>
+            <a:spLocks noGrp="1"/>
+          </p:cNvSpPr>
+          <p:nvPr>
+            <p:ph type="body" idx="1"/>
+          </p:nvPr>
+        </p:nvSpPr>
+        <p:spPr/>
+        <p:txBody>
+          <a:bodyPr/>
+          <a:lstStyle/>
+          <a:p>
+            <a:r>
+              <a:rPr lang="en-US" dirty="0" smtClean="0"/>
+              <a:t>Sources</a:t>
+            </a:r>
+            <a:r>
+              <a:rPr lang="en-US" dirty="0" smtClean="0"/>
+              <a:t> </a:t>
+            </a:r>
+            <a:r>
+              <a:rPr lang="en-US" dirty="0" smtClean="0"/>
+              <a:t>and Link to Slides and Notes online</a:t>
+            </a:r>
+            <a:endParaRPr lang="de-DE" dirty="0"/>
+          </a:p>
+        </p:txBody>
+      </p:sp>
+      <p:sp>
+        <p:nvSpPr>
+          <p:cNvPr id="3" name="Date Placeholder 2"/>
+          <p:cNvSpPr>
+            <a:spLocks noGrp="1"/>
+          </p:cNvSpPr>
+          <p:nvPr>
+            <p:ph type="dt" sz="half" idx="10"/>
+          </p:nvPr>
+        </p:nvSpPr>
+        <p:spPr/>
+        <p:txBody>
+          <a:bodyPr/>
+          <a:lstStyle/>
+          <a:p>
+            <a:fld id="{CEB21C61-B5AE-4647-999B-88F6E6699E5E}" type="datetime2">
+              <a:rPr lang="en-GB" smtClean="0"/>
+              <a:t>Tuesday, 22 November 2022</a:t>
+            </a:fld>
+            <a:endParaRPr lang="de-DE"/>
+          </a:p>
+        </p:txBody>
+      </p:sp>
+      <p:sp>
+        <p:nvSpPr>
+          <p:cNvPr id="4" name="Footer Placeholder 3"/>
+          <p:cNvSpPr>
+            <a:spLocks noGrp="1"/>
+          </p:cNvSpPr>
+          <p:nvPr>
+            <p:ph type="ftr" sz="quarter" idx="11"/>
+          </p:nvPr>
+        </p:nvSpPr>
+        <p:spPr/>
+        <p:txBody>
+          <a:bodyPr/>
+          <a:lstStyle/>
+          <a:p>
+            <a:r>
+              <a:rPr lang="de-DE" smtClean="0"/>
+              <a:t>https://github.com/ethernalraine/uni</a:t>
+            </a:r>
+            <a:endParaRPr lang="de-DE"/>
+          </a:p>
+        </p:txBody>
+      </p:sp>
+      <p:sp>
+        <p:nvSpPr>
+          <p:cNvPr id="5" name="Slide Number Placeholder 4"/>
+          <p:cNvSpPr>
+            <a:spLocks noGrp="1"/>
+          </p:cNvSpPr>
+          <p:nvPr>
+            <p:ph type="sldNum" sz="quarter" idx="12"/>
+          </p:nvPr>
+        </p:nvSpPr>
+        <p:spPr/>
+        <p:txBody>
+          <a:bodyPr/>
+          <a:lstStyle/>
+          <a:p>
+            <a:fld id="{F59C70E6-6C27-47C3-B56D-C58F40D84728}" type="slidenum">
+              <a:rPr lang="de-DE" smtClean="0"/>
+              <a:pPr/>
+              <a:t>16</a:t>
+            </a:fld>
+            <a:endParaRPr lang="de-DE"/>
+          </a:p>
+        </p:txBody>
+      </p:sp>
+      <p:sp>
+        <p:nvSpPr>
+          <p:cNvPr id="6" name="Title 5"/>
+          <p:cNvSpPr>
+            <a:spLocks noGrp="1"/>
+          </p:cNvSpPr>
+          <p:nvPr>
+            <p:ph type="title"/>
+          </p:nvPr>
+        </p:nvSpPr>
+        <p:spPr/>
+        <p:txBody>
+          <a:bodyPr/>
+          <a:lstStyle/>
+          <a:p>
+            <a:r>
+              <a:rPr lang="en-US" dirty="0" smtClean="0"/>
+              <a:t>Miscellaneous</a:t>
+            </a:r>
+            <a:endParaRPr lang="de-DE" dirty="0"/>
+          </a:p>
+        </p:txBody>
+      </p:sp>
+    </p:spTree>
+  </p:cSld>
+  <p:clrMapOvr>
+    <a:masterClrMapping/>
+  </p:clrMapOvr>
+  <p:transition>
+    <p:fade/>
+  </p:transition>
+  <p:timing>
+    <p:tnLst>
+      <p:par>
+        <p:cTn id="1" dur="indefinite" restart="never" nodeType="tmRoot"/>
+      </p:par>
+    </p:tnLst>
+  </p:timing>
+</p:sld>
+</file>
+
+<file path=ppt/slides/slide17.xml><?xml version="1.0" encoding="utf-8"?>
+<p:sld xmlns:a="http://schemas.openxmlformats.org/drawingml/2006/main" xmlns:r="http://schemas.openxmlformats.org/officeDocument/2006/relationships" xmlns:p="http://schemas.openxmlformats.org/presentationml/2006/main">
+  <p:cSld>
+    <p:spTree>
+      <p:nvGrpSpPr>
+        <p:cNvPr id="1" name=""/>
+        <p:cNvGrpSpPr/>
+        <p:nvPr/>
+      </p:nvGrpSpPr>
+      <p:grpSpPr>
+        <a:xfrm>
+          <a:off x="0" y="0"/>
+          <a:ext cx="0" cy="0"/>
+          <a:chOff x="0" y="0"/>
+          <a:chExt cx="0" cy="0"/>
+        </a:xfrm>
+      </p:grpSpPr>
+      <p:sp>
+        <p:nvSpPr>
+          <p:cNvPr id="2" name="Title 1"/>
+          <p:cNvSpPr>
+            <a:spLocks noGrp="1"/>
+          </p:cNvSpPr>
+          <p:nvPr>
+            <p:ph type="title"/>
+          </p:nvPr>
+        </p:nvSpPr>
+        <p:spPr/>
+        <p:txBody>
+          <a:bodyPr/>
+          <a:lstStyle/>
+          <a:p>
+            <a:r>
+              <a:rPr lang="en-US" dirty="0" smtClean="0"/>
+              <a:t>Sources</a:t>
+            </a:r>
+            <a:endParaRPr lang="de-DE" dirty="0"/>
+          </a:p>
+        </p:txBody>
+      </p:sp>
+      <p:sp>
+        <p:nvSpPr>
+          <p:cNvPr id="3" name="Content Placeholder 2"/>
+          <p:cNvSpPr>
+            <a:spLocks noGrp="1"/>
+          </p:cNvSpPr>
+          <p:nvPr>
+            <p:ph idx="1"/>
+          </p:nvPr>
+        </p:nvSpPr>
+        <p:spPr/>
+        <p:txBody>
+          <a:bodyPr/>
+          <a:lstStyle/>
+          <a:p>
+            <a:endParaRPr lang="de-DE"/>
+          </a:p>
+        </p:txBody>
+      </p:sp>
+      <p:sp>
+        <p:nvSpPr>
+          <p:cNvPr id="4" name="Date Placeholder 3"/>
+          <p:cNvSpPr>
+            <a:spLocks noGrp="1"/>
+          </p:cNvSpPr>
+          <p:nvPr>
+            <p:ph type="dt" sz="half" idx="10"/>
+          </p:nvPr>
+        </p:nvSpPr>
+        <p:spPr/>
+        <p:txBody>
+          <a:bodyPr/>
+          <a:lstStyle/>
+          <a:p>
+            <a:fld id="{E1019886-7862-4E0F-B711-E84483F9E28D}" type="datetime2">
+              <a:rPr lang="en-GB" smtClean="0"/>
+              <a:t>Monday, 21 November 2022</a:t>
+            </a:fld>
+            <a:endParaRPr lang="de-DE"/>
+          </a:p>
+        </p:txBody>
+      </p:sp>
+      <p:sp>
+        <p:nvSpPr>
+          <p:cNvPr id="5" name="Footer Placeholder 4"/>
+          <p:cNvSpPr>
+            <a:spLocks noGrp="1"/>
+          </p:cNvSpPr>
+          <p:nvPr>
+            <p:ph type="ftr" sz="quarter" idx="11"/>
+          </p:nvPr>
+        </p:nvSpPr>
+        <p:spPr/>
+        <p:txBody>
+          <a:bodyPr/>
+          <a:lstStyle/>
+          <a:p>
+            <a:r>
+              <a:rPr lang="de-DE" smtClean="0"/>
+              <a:t>https://github.com/ethernalraine/uni</a:t>
+            </a:r>
+            <a:endParaRPr lang="de-DE"/>
+          </a:p>
+        </p:txBody>
+      </p:sp>
+      <p:sp>
+        <p:nvSpPr>
+          <p:cNvPr id="6" name="Slide Number Placeholder 5"/>
+          <p:cNvSpPr>
+            <a:spLocks noGrp="1"/>
+          </p:cNvSpPr>
+          <p:nvPr>
+            <p:ph type="sldNum" sz="quarter" idx="12"/>
+          </p:nvPr>
+        </p:nvSpPr>
+        <p:spPr/>
+        <p:txBody>
+          <a:bodyPr/>
+          <a:lstStyle/>
+          <a:p>
+            <a:fld id="{F59C70E6-6C27-47C3-B56D-C58F40D84728}" type="slidenum">
+              <a:rPr lang="de-DE" smtClean="0"/>
+              <a:pPr/>
+              <a:t>17</a:t>
+            </a:fld>
+            <a:endParaRPr lang="de-DE"/>
+          </a:p>
+        </p:txBody>
+      </p:sp>
+    </p:spTree>
+  </p:cSld>
+  <p:clrMapOvr>
+    <a:masterClrMapping/>
+  </p:clrMapOvr>
+  <p:transition>
+    <p:fade/>
+  </p:transition>
+  <p:timing>
+    <p:tnLst>
+      <p:par>
+        <p:cTn id="1" dur="indefinite" restart="never" nodeType="tmRoot"/>
+      </p:par>
+    </p:tnLst>
+  </p:timing>
+</p:sld>
+</file>
+
+<file path=ppt/slides/slide18.xml><?xml version="1.0" encoding="utf-8"?>
+<p:sld xmlns:a="http://schemas.openxmlformats.org/drawingml/2006/main" xmlns:r="http://schemas.openxmlformats.org/officeDocument/2006/relationships" xmlns:p="http://schemas.openxmlformats.org/presentationml/2006/main">
+  <p:cSld>
+    <p:spTree>
+      <p:nvGrpSpPr>
+        <p:cNvPr id="1" name=""/>
+        <p:cNvGrpSpPr/>
+        <p:nvPr/>
+      </p:nvGrpSpPr>
+      <p:grpSpPr>
+        <a:xfrm>
+          <a:off x="0" y="0"/>
+          <a:ext cx="0" cy="0"/>
+          <a:chOff x="0" y="0"/>
+          <a:chExt cx="0" cy="0"/>
+        </a:xfrm>
+      </p:grpSpPr>
+      <p:sp>
+        <p:nvSpPr>
+          <p:cNvPr id="2" name="Title 1"/>
+          <p:cNvSpPr>
+            <a:spLocks noGrp="1"/>
+          </p:cNvSpPr>
+          <p:nvPr>
+            <p:ph type="title"/>
+          </p:nvPr>
+        </p:nvSpPr>
+        <p:spPr/>
+        <p:txBody>
+          <a:bodyPr/>
+          <a:lstStyle/>
+          <a:p>
+            <a:pPr algn="ctr"/>
+            <a:r>
+              <a:rPr lang="en-US" dirty="0" smtClean="0"/>
+              <a:t>Link to the Slides and Notes</a:t>
+            </a:r>
+            <a:endParaRPr lang="de-DE" dirty="0"/>
+          </a:p>
+        </p:txBody>
+      </p:sp>
+      <p:sp>
+        <p:nvSpPr>
+          <p:cNvPr id="3" name="Content Placeholder 2"/>
+          <p:cNvSpPr>
+            <a:spLocks noGrp="1"/>
+          </p:cNvSpPr>
+          <p:nvPr>
+            <p:ph sz="half" idx="1"/>
+          </p:nvPr>
+        </p:nvSpPr>
+        <p:spPr>
+          <a:xfrm>
+            <a:off x="464344" y="1770501"/>
+            <a:ext cx="8212112" cy="794403"/>
+          </a:xfrm>
+        </p:spPr>
+        <p:txBody>
+          <a:bodyPr/>
+          <a:lstStyle/>
+          <a:p>
+            <a:pPr algn="ctr">
+              <a:buNone/>
+            </a:pPr>
+            <a:r>
+              <a:rPr lang="en-US" dirty="0" smtClean="0"/>
+              <a:t>https://github.com/EthernalRaine/uni</a:t>
+            </a:r>
+            <a:endParaRPr lang="de-DE" dirty="0"/>
+          </a:p>
+        </p:txBody>
+      </p:sp>
+      <p:pic>
+        <p:nvPicPr>
+          <p:cNvPr id="8" name="Content Placeholder 7" descr="Screenshot_2022-11-21_101303-removebg-preview(1).png"/>
+          <p:cNvPicPr>
+            <a:picLocks noGrp="1" noChangeAspect="1"/>
+          </p:cNvPicPr>
+          <p:nvPr>
+            <p:ph sz="half" idx="2"/>
+          </p:nvPr>
+        </p:nvPicPr>
+        <p:blipFill>
+          <a:blip r:embed="rId2" cstate="print"/>
+          <a:stretch>
+            <a:fillRect/>
+          </a:stretch>
+        </p:blipFill>
+        <p:spPr>
+          <a:xfrm>
+            <a:off x="2693640" y="2708920"/>
+            <a:ext cx="4038600" cy="2797876"/>
+          </a:xfrm>
+        </p:spPr>
+      </p:pic>
+      <p:sp>
+        <p:nvSpPr>
+          <p:cNvPr id="5" name="Date Placeholder 4"/>
+          <p:cNvSpPr>
+            <a:spLocks noGrp="1"/>
+          </p:cNvSpPr>
+          <p:nvPr>
+            <p:ph type="dt" sz="half" idx="10"/>
+          </p:nvPr>
+        </p:nvSpPr>
+        <p:spPr/>
+        <p:txBody>
+          <a:bodyPr/>
+          <a:lstStyle/>
+          <a:p>
+            <a:fld id="{E02E131B-0750-4231-A73B-9C3F762AB729}" type="datetime2">
+              <a:rPr lang="en-GB" smtClean="0"/>
+              <a:t>Monday, 21 November 2022</a:t>
+            </a:fld>
+            <a:endParaRPr lang="de-DE"/>
+          </a:p>
+        </p:txBody>
+      </p:sp>
+      <p:sp>
+        <p:nvSpPr>
+          <p:cNvPr id="6" name="Footer Placeholder 5"/>
+          <p:cNvSpPr>
+            <a:spLocks noGrp="1"/>
+          </p:cNvSpPr>
+          <p:nvPr>
+            <p:ph type="ftr" sz="quarter" idx="11"/>
+          </p:nvPr>
+        </p:nvSpPr>
+        <p:spPr/>
+        <p:txBody>
+          <a:bodyPr/>
+          <a:lstStyle/>
+          <a:p>
+            <a:r>
+              <a:rPr lang="de-DE" smtClean="0"/>
+              <a:t>https://github.com/ethernalraine/uni</a:t>
+            </a:r>
+            <a:endParaRPr lang="de-DE"/>
+          </a:p>
+        </p:txBody>
+      </p:sp>
+      <p:sp>
+        <p:nvSpPr>
+          <p:cNvPr id="7" name="Slide Number Placeholder 6"/>
+          <p:cNvSpPr>
+            <a:spLocks noGrp="1"/>
+          </p:cNvSpPr>
+          <p:nvPr>
+            <p:ph type="sldNum" sz="quarter" idx="12"/>
+          </p:nvPr>
+        </p:nvSpPr>
+        <p:spPr/>
+        <p:txBody>
+          <a:bodyPr/>
+          <a:lstStyle/>
+          <a:p>
+            <a:fld id="{F59C70E6-6C27-47C3-B56D-C58F40D84728}" type="slidenum">
+              <a:rPr lang="de-DE" smtClean="0"/>
+              <a:pPr/>
+              <a:t>18</a:t>
+            </a:fld>
+            <a:endParaRPr lang="de-DE"/>
+          </a:p>
+        </p:txBody>
+      </p:sp>
+    </p:spTree>
+  </p:cSld>
+  <p:clrMapOvr>
+    <a:masterClrMapping/>
+  </p:clrMapOvr>
+  <p:transition>
+    <p:fade/>
+  </p:transition>
   <p:timing>
     <p:tnLst>
       <p:par>
@@ -7279,15 +8849,83 @@
             <a:pPr lvl="1"/>
             <a:r>
               <a:rPr lang="en-GB" dirty="0" smtClean="0"/>
-              <a:t>Field Advancements</a:t>
-            </a:r>
-          </a:p>
-          <a:p>
-            <a:pPr lvl="1"/>
+              <a:t>Field </a:t>
+            </a:r>
+            <a:r>
+              <a:rPr lang="en-GB" dirty="0" smtClean="0"/>
+              <a:t>Advancements</a:t>
+            </a:r>
             <a:endParaRPr lang="en-GB" dirty="0" smtClean="0"/>
           </a:p>
-          <a:p>
-            <a:endParaRPr lang="de-DE" dirty="0"/>
+        </p:txBody>
+      </p:sp>
+      <p:sp>
+        <p:nvSpPr>
+          <p:cNvPr id="4" name="Date Placeholder 3"/>
+          <p:cNvSpPr>
+            <a:spLocks noGrp="1"/>
+          </p:cNvSpPr>
+          <p:nvPr>
+            <p:ph type="dt" sz="half" idx="10"/>
+          </p:nvPr>
+        </p:nvSpPr>
+        <p:spPr/>
+        <p:txBody>
+          <a:bodyPr/>
+          <a:lstStyle/>
+          <a:p>
+            <a:fld id="{D5AB6EA0-8AE2-4014-89ED-857A675C8C5A}" type="datetime2">
+              <a:rPr lang="en-GB" smtClean="0"/>
+              <a:t>Tuesday, 22 November 2022</a:t>
+            </a:fld>
+            <a:endParaRPr lang="de-DE"/>
+          </a:p>
+        </p:txBody>
+      </p:sp>
+      <p:sp>
+        <p:nvSpPr>
+          <p:cNvPr id="5" name="Slide Number Placeholder 4"/>
+          <p:cNvSpPr>
+            <a:spLocks noGrp="1"/>
+          </p:cNvSpPr>
+          <p:nvPr>
+            <p:ph type="sldNum" sz="quarter" idx="12"/>
+          </p:nvPr>
+        </p:nvSpPr>
+        <p:spPr/>
+        <p:txBody>
+          <a:bodyPr/>
+          <a:lstStyle/>
+          <a:p>
+            <a:fld id="{F59C70E6-6C27-47C3-B56D-C58F40D84728}" type="slidenum">
+              <a:rPr lang="de-DE" smtClean="0"/>
+              <a:pPr/>
+              <a:t>2</a:t>
+            </a:fld>
+            <a:endParaRPr lang="de-DE"/>
+          </a:p>
+        </p:txBody>
+      </p:sp>
+      <p:sp>
+        <p:nvSpPr>
+          <p:cNvPr id="6" name="Footer Placeholder 5"/>
+          <p:cNvSpPr>
+            <a:spLocks noGrp="1"/>
+          </p:cNvSpPr>
+          <p:nvPr>
+            <p:ph type="ftr" sz="quarter" idx="11"/>
+          </p:nvPr>
+        </p:nvSpPr>
+        <p:spPr/>
+        <p:txBody>
+          <a:bodyPr/>
+          <a:lstStyle/>
+          <a:p>
+            <a:r>
+              <a:rPr lang="de-DE" smtClean="0"/>
+              <a:t>https://github.com/ethernalraine/uni</a:t>
+            </a:r>
+            <a:endParaRPr lang="de-DE"/>
           </a:p>
         </p:txBody>
       </p:sp>
@@ -7296,6 +8934,9 @@
   <p:clrMapOvr>
     <a:masterClrMapping/>
   </p:clrMapOvr>
+  <p:transition>
+    <p:fade/>
+  </p:transition>
   <p:timing>
     <p:tnLst>
       <p:par>
@@ -7339,8 +8980,12 @@
           <a:lstStyle/>
           <a:p>
             <a:r>
-              <a:rPr lang="en-GB" dirty="0" smtClean="0"/>
-              <a:t>Beginnings of IBM</a:t>
+              <a:rPr lang="en-US" dirty="0" smtClean="0"/>
+              <a:t>How did IBM gets its foot into the Industry, how did they become one of the largest tech companies and how did </a:t>
+            </a:r>
+            <a:r>
+              <a:rPr lang="en-US" dirty="0" smtClean="0"/>
+              <a:t>it all being?</a:t>
             </a:r>
             <a:endParaRPr lang="de-DE" dirty="0"/>
           </a:p>
@@ -7366,6 +9011,76 @@
               <a:t>History</a:t>
             </a:r>
             <a:endParaRPr lang="de-DE" dirty="0"/>
+          </a:p>
+        </p:txBody>
+      </p:sp>
+      <p:sp>
+        <p:nvSpPr>
+          <p:cNvPr id="4" name="Date Placeholder 3"/>
+          <p:cNvSpPr>
+            <a:spLocks noGrp="1"/>
+          </p:cNvSpPr>
+          <p:nvPr>
+            <p:ph type="dt" sz="half" idx="10"/>
+          </p:nvPr>
+        </p:nvSpPr>
+        <p:spPr/>
+        <p:txBody>
+          <a:bodyPr/>
+          <a:lstStyle/>
+          <a:p>
+            <a:fld id="{D020E337-E848-4AC4-962B-465A5B87DFDE}" type="datetime2">
+              <a:rPr lang="en-GB" smtClean="0"/>
+              <a:t>Tuesday, 22 November 2022</a:t>
+            </a:fld>
+            <a:endParaRPr lang="de-DE"/>
+          </a:p>
+        </p:txBody>
+      </p:sp>
+      <p:sp>
+        <p:nvSpPr>
+          <p:cNvPr id="5" name="Slide Number Placeholder 4"/>
+          <p:cNvSpPr>
+            <a:spLocks noGrp="1"/>
+          </p:cNvSpPr>
+          <p:nvPr>
+            <p:ph type="sldNum" sz="quarter" idx="12"/>
+          </p:nvPr>
+        </p:nvSpPr>
+        <p:spPr/>
+        <p:txBody>
+          <a:bodyPr/>
+          <a:lstStyle/>
+          <a:p>
+            <a:fld id="{F59C70E6-6C27-47C3-B56D-C58F40D84728}" type="slidenum">
+              <a:rPr lang="de-DE" smtClean="0"/>
+              <a:pPr/>
+              <a:t>3</a:t>
+            </a:fld>
+            <a:endParaRPr lang="de-DE"/>
+          </a:p>
+        </p:txBody>
+      </p:sp>
+      <p:sp>
+        <p:nvSpPr>
+          <p:cNvPr id="6" name="Footer Placeholder 5"/>
+          <p:cNvSpPr>
+            <a:spLocks noGrp="1"/>
+          </p:cNvSpPr>
+          <p:nvPr>
+            <p:ph type="ftr" sz="quarter" idx="11"/>
+          </p:nvPr>
+        </p:nvSpPr>
+        <p:spPr/>
+        <p:txBody>
+          <a:bodyPr/>
+          <a:lstStyle/>
+          <a:p>
+            <a:r>
+              <a:rPr lang="de-DE" smtClean="0"/>
+              <a:t>https://github.com/ethernalraine/uni</a:t>
+            </a:r>
+            <a:endParaRPr lang="de-DE"/>
           </a:p>
         </p:txBody>
       </p:sp>
@@ -7374,6 +9089,9 @@
   <p:clrMapOvr>
     <a:masterClrMapping/>
   </p:clrMapOvr>
+  <p:transition>
+    <p:fade/>
+  </p:transition>
   <p:timing>
     <p:tnLst>
       <p:par>
@@ -7441,21 +9159,122 @@
           <a:p>
             <a:r>
               <a:rPr lang="en-GB" dirty="0" smtClean="0"/>
-              <a:t>Founded in 1911 as CTR</a:t>
-            </a:r>
-          </a:p>
-          <a:p>
+              <a:t>Founded in 1911 as </a:t>
+            </a:r>
             <a:r>
               <a:rPr lang="en-GB" dirty="0" smtClean="0"/>
-              <a:t>Originally Headquartered in Endicott, NY</a:t>
-            </a:r>
-          </a:p>
-          <a:p>
+              <a:t>CTR in </a:t>
+            </a:r>
             <a:r>
               <a:rPr lang="en-GB" dirty="0" smtClean="0"/>
-              <a:t>Renamed in 1924 as IBM</a:t>
-            </a:r>
+              <a:t>Endicott, </a:t>
+            </a:r>
+            <a:r>
+              <a:rPr lang="en-GB" dirty="0" smtClean="0"/>
+              <a:t>NY</a:t>
+            </a:r>
+          </a:p>
+          <a:p>
+            <a:r>
+              <a:rPr lang="en-GB" dirty="0" smtClean="0"/>
+              <a:t>Manufactured Tabulating Machines</a:t>
+            </a:r>
+            <a:endParaRPr lang="en-GB" dirty="0" smtClean="0"/>
+          </a:p>
+          <a:p>
+            <a:r>
+              <a:rPr lang="en-GB" dirty="0" smtClean="0"/>
+              <a:t>Renamed in 1924 as </a:t>
+            </a:r>
+            <a:r>
+              <a:rPr lang="en-GB" dirty="0" smtClean="0"/>
+              <a:t>IBM</a:t>
+            </a:r>
+          </a:p>
+          <a:p>
+            <a:r>
+              <a:rPr lang="en-GB" dirty="0" smtClean="0"/>
+              <a:t>Entered the Mainframe market in 1950</a:t>
+            </a:r>
+          </a:p>
+          <a:p>
+            <a:r>
+              <a:rPr lang="en-GB" dirty="0" smtClean="0"/>
+              <a:t>Entered the Personal C0mputer market in ’81</a:t>
+            </a:r>
+          </a:p>
+          <a:p>
             <a:endParaRPr lang="de-DE" dirty="0"/>
+          </a:p>
+        </p:txBody>
+      </p:sp>
+      <p:sp>
+        <p:nvSpPr>
+          <p:cNvPr id="4" name="Date Placeholder 3"/>
+          <p:cNvSpPr>
+            <a:spLocks noGrp="1"/>
+          </p:cNvSpPr>
+          <p:nvPr>
+            <p:ph type="dt" sz="half" idx="10"/>
+          </p:nvPr>
+        </p:nvSpPr>
+        <p:spPr/>
+        <p:txBody>
+          <a:bodyPr/>
+          <a:lstStyle/>
+          <a:p>
+            <a:fld id="{C1757F45-F80D-455B-B17F-6A7189C3CE19}" type="datetime2">
+              <a:rPr lang="en-GB" smtClean="0"/>
+              <a:t>Tuesday, 22 November 2022</a:t>
+            </a:fld>
+            <a:endParaRPr lang="de-DE"/>
+          </a:p>
+        </p:txBody>
+      </p:sp>
+      <p:sp>
+        <p:nvSpPr>
+          <p:cNvPr id="5" name="Slide Number Placeholder 4"/>
+          <p:cNvSpPr>
+            <a:spLocks noGrp="1"/>
+          </p:cNvSpPr>
+          <p:nvPr>
+            <p:ph type="sldNum" sz="quarter" idx="12"/>
+          </p:nvPr>
+        </p:nvSpPr>
+        <p:spPr/>
+        <p:txBody>
+          <a:bodyPr/>
+          <a:lstStyle/>
+          <a:p>
+            <a:fld id="{F59C70E6-6C27-47C3-B56D-C58F40D84728}" type="slidenum">
+              <a:rPr lang="de-DE" smtClean="0"/>
+              <a:pPr/>
+              <a:t>4</a:t>
+            </a:fld>
+            <a:endParaRPr lang="de-DE"/>
+          </a:p>
+        </p:txBody>
+      </p:sp>
+      <p:sp>
+        <p:nvSpPr>
+          <p:cNvPr id="6" name="Footer Placeholder 5"/>
+          <p:cNvSpPr>
+            <a:spLocks noGrp="1"/>
+          </p:cNvSpPr>
+          <p:nvPr>
+            <p:ph type="ftr" sz="quarter" idx="11"/>
+          </p:nvPr>
+        </p:nvSpPr>
+        <p:spPr/>
+        <p:txBody>
+          <a:bodyPr/>
+          <a:lstStyle/>
+          <a:p>
+            <a:r>
+              <a:rPr lang="de-DE" smtClean="0"/>
+              <a:t>https://github.com/ethernalraine/uni</a:t>
+            </a:r>
+            <a:endParaRPr lang="de-DE"/>
           </a:p>
         </p:txBody>
       </p:sp>
@@ -7464,6 +9283,1062 @@
   <p:clrMapOvr>
     <a:masterClrMapping/>
   </p:clrMapOvr>
+  <p:transition>
+    <p:fade/>
+  </p:transition>
+  <p:timing>
+    <p:tnLst>
+      <p:par>
+        <p:cTn id="1" dur="indefinite" restart="never" nodeType="tmRoot"/>
+      </p:par>
+    </p:tnLst>
+  </p:timing>
+</p:sld>
+</file>
+
+<file path=ppt/slides/slide5.xml><?xml version="1.0" encoding="utf-8"?>
+<p:sld xmlns:a="http://schemas.openxmlformats.org/drawingml/2006/main" xmlns:r="http://schemas.openxmlformats.org/officeDocument/2006/relationships" xmlns:p="http://schemas.openxmlformats.org/presentationml/2006/main">
+  <p:cSld>
+    <p:spTree>
+      <p:nvGrpSpPr>
+        <p:cNvPr id="1" name=""/>
+        <p:cNvGrpSpPr/>
+        <p:nvPr/>
+      </p:nvGrpSpPr>
+      <p:grpSpPr>
+        <a:xfrm>
+          <a:off x="0" y="0"/>
+          <a:ext cx="0" cy="0"/>
+          <a:chOff x="0" y="0"/>
+          <a:chExt cx="0" cy="0"/>
+        </a:xfrm>
+      </p:grpSpPr>
+      <p:sp>
+        <p:nvSpPr>
+          <p:cNvPr id="2" name="Title 1"/>
+          <p:cNvSpPr>
+            <a:spLocks noGrp="1"/>
+          </p:cNvSpPr>
+          <p:nvPr>
+            <p:ph type="title"/>
+          </p:nvPr>
+        </p:nvSpPr>
+        <p:spPr/>
+        <p:txBody>
+          <a:bodyPr/>
+          <a:lstStyle/>
+          <a:p>
+            <a:r>
+              <a:rPr lang="en-US" dirty="0" smtClean="0"/>
+              <a:t>Famous Inventions</a:t>
+            </a:r>
+            <a:endParaRPr lang="de-DE" dirty="0"/>
+          </a:p>
+        </p:txBody>
+      </p:sp>
+      <p:sp>
+        <p:nvSpPr>
+          <p:cNvPr id="3" name="Content Placeholder 2"/>
+          <p:cNvSpPr>
+            <a:spLocks noGrp="1"/>
+          </p:cNvSpPr>
+          <p:nvPr>
+            <p:ph idx="1"/>
+          </p:nvPr>
+        </p:nvSpPr>
+        <p:spPr/>
+        <p:txBody>
+          <a:bodyPr/>
+          <a:lstStyle/>
+          <a:p>
+            <a:r>
+              <a:rPr lang="en-US" dirty="0" smtClean="0"/>
+              <a:t>ATM</a:t>
+            </a:r>
+          </a:p>
+          <a:p>
+            <a:r>
+              <a:rPr lang="en-US" dirty="0" smtClean="0"/>
+              <a:t>Hard Disk</a:t>
+            </a:r>
+          </a:p>
+          <a:p>
+            <a:r>
+              <a:rPr lang="en-US" dirty="0" smtClean="0"/>
+              <a:t>Floppy Disks</a:t>
+            </a:r>
+          </a:p>
+          <a:p>
+            <a:r>
+              <a:rPr lang="en-US" dirty="0" smtClean="0"/>
+              <a:t>Magnetic Stripe</a:t>
+            </a:r>
+          </a:p>
+          <a:p>
+            <a:r>
+              <a:rPr lang="en-US" dirty="0" smtClean="0"/>
+              <a:t>SQL</a:t>
+            </a:r>
+          </a:p>
+          <a:p>
+            <a:r>
+              <a:rPr lang="en-US" dirty="0" smtClean="0"/>
+              <a:t>Dynamic RAM</a:t>
+            </a:r>
+          </a:p>
+          <a:p>
+            <a:r>
+              <a:rPr lang="en-US" dirty="0" smtClean="0"/>
+              <a:t>Barcodes</a:t>
+            </a:r>
+            <a:endParaRPr lang="de-DE" dirty="0"/>
+          </a:p>
+        </p:txBody>
+      </p:sp>
+      <p:sp>
+        <p:nvSpPr>
+          <p:cNvPr id="4" name="Date Placeholder 3"/>
+          <p:cNvSpPr>
+            <a:spLocks noGrp="1"/>
+          </p:cNvSpPr>
+          <p:nvPr>
+            <p:ph type="dt" sz="half" idx="10"/>
+          </p:nvPr>
+        </p:nvSpPr>
+        <p:spPr/>
+        <p:txBody>
+          <a:bodyPr/>
+          <a:lstStyle/>
+          <a:p>
+            <a:fld id="{C1E6F2A1-3EF1-4FFB-96DC-FA039DD37B6D}" type="datetime2">
+              <a:rPr lang="en-GB" smtClean="0"/>
+              <a:t>Tuesday, 22 November 2022</a:t>
+            </a:fld>
+            <a:endParaRPr lang="de-DE"/>
+          </a:p>
+        </p:txBody>
+      </p:sp>
+      <p:sp>
+        <p:nvSpPr>
+          <p:cNvPr id="5" name="Slide Number Placeholder 4"/>
+          <p:cNvSpPr>
+            <a:spLocks noGrp="1"/>
+          </p:cNvSpPr>
+          <p:nvPr>
+            <p:ph type="sldNum" sz="quarter" idx="12"/>
+          </p:nvPr>
+        </p:nvSpPr>
+        <p:spPr/>
+        <p:txBody>
+          <a:bodyPr/>
+          <a:lstStyle/>
+          <a:p>
+            <a:fld id="{F59C70E6-6C27-47C3-B56D-C58F40D84728}" type="slidenum">
+              <a:rPr lang="de-DE" smtClean="0"/>
+              <a:pPr/>
+              <a:t>5</a:t>
+            </a:fld>
+            <a:endParaRPr lang="de-DE"/>
+          </a:p>
+        </p:txBody>
+      </p:sp>
+      <p:sp>
+        <p:nvSpPr>
+          <p:cNvPr id="6" name="Footer Placeholder 5"/>
+          <p:cNvSpPr>
+            <a:spLocks noGrp="1"/>
+          </p:cNvSpPr>
+          <p:nvPr>
+            <p:ph type="ftr" sz="quarter" idx="11"/>
+          </p:nvPr>
+        </p:nvSpPr>
+        <p:spPr/>
+        <p:txBody>
+          <a:bodyPr/>
+          <a:lstStyle/>
+          <a:p>
+            <a:r>
+              <a:rPr lang="de-DE" smtClean="0"/>
+              <a:t>https://github.com/ethernalraine/uni</a:t>
+            </a:r>
+            <a:endParaRPr lang="de-DE"/>
+          </a:p>
+        </p:txBody>
+      </p:sp>
+    </p:spTree>
+  </p:cSld>
+  <p:clrMapOvr>
+    <a:masterClrMapping/>
+  </p:clrMapOvr>
+  <p:transition>
+    <p:fade/>
+  </p:transition>
+  <p:timing>
+    <p:tnLst>
+      <p:par>
+        <p:cTn id="1" dur="indefinite" restart="never" nodeType="tmRoot"/>
+      </p:par>
+    </p:tnLst>
+  </p:timing>
+</p:sld>
+</file>
+
+<file path=ppt/slides/slide6.xml><?xml version="1.0" encoding="utf-8"?>
+<p:sld xmlns:a="http://schemas.openxmlformats.org/drawingml/2006/main" xmlns:r="http://schemas.openxmlformats.org/officeDocument/2006/relationships" xmlns:p="http://schemas.openxmlformats.org/presentationml/2006/main">
+  <p:cSld>
+    <p:spTree>
+      <p:nvGrpSpPr>
+        <p:cNvPr id="1" name=""/>
+        <p:cNvGrpSpPr/>
+        <p:nvPr/>
+      </p:nvGrpSpPr>
+      <p:grpSpPr>
+        <a:xfrm>
+          <a:off x="0" y="0"/>
+          <a:ext cx="0" cy="0"/>
+          <a:chOff x="0" y="0"/>
+          <a:chExt cx="0" cy="0"/>
+        </a:xfrm>
+      </p:grpSpPr>
+      <p:sp>
+        <p:nvSpPr>
+          <p:cNvPr id="2" name="Title 1"/>
+          <p:cNvSpPr>
+            <a:spLocks noGrp="1"/>
+          </p:cNvSpPr>
+          <p:nvPr>
+            <p:ph type="title"/>
+          </p:nvPr>
+        </p:nvSpPr>
+        <p:spPr/>
+        <p:txBody>
+          <a:bodyPr/>
+          <a:lstStyle/>
+          <a:p>
+            <a:r>
+              <a:rPr lang="en-US" dirty="0" smtClean="0"/>
+              <a:t>Divisions and Projects</a:t>
+            </a:r>
+            <a:endParaRPr lang="de-DE" dirty="0"/>
+          </a:p>
+        </p:txBody>
+      </p:sp>
+      <p:sp>
+        <p:nvSpPr>
+          <p:cNvPr id="3" name="Content Placeholder 2"/>
+          <p:cNvSpPr>
+            <a:spLocks noGrp="1"/>
+          </p:cNvSpPr>
+          <p:nvPr>
+            <p:ph idx="1"/>
+          </p:nvPr>
+        </p:nvSpPr>
+        <p:spPr/>
+        <p:txBody>
+          <a:bodyPr/>
+          <a:lstStyle/>
+          <a:p>
+            <a:r>
+              <a:rPr lang="en-US" dirty="0" smtClean="0"/>
+              <a:t>System/Z Mainframes</a:t>
+            </a:r>
+          </a:p>
+          <a:p>
+            <a:r>
+              <a:rPr lang="en-US" dirty="0" smtClean="0"/>
+              <a:t>Cloud Computing</a:t>
+            </a:r>
+          </a:p>
+          <a:p>
+            <a:r>
+              <a:rPr lang="en-US" dirty="0" smtClean="0"/>
+              <a:t>Power-ISA Hardware</a:t>
+            </a:r>
+          </a:p>
+          <a:p>
+            <a:r>
+              <a:rPr lang="en-US" dirty="0" smtClean="0"/>
+              <a:t>Artificial Intelligence</a:t>
+            </a:r>
+          </a:p>
+          <a:p>
+            <a:r>
+              <a:rPr lang="en-US" dirty="0" smtClean="0"/>
+              <a:t>Data and Analytics</a:t>
+            </a:r>
+          </a:p>
+          <a:p>
+            <a:r>
+              <a:rPr lang="en-US" dirty="0" smtClean="0"/>
+              <a:t>Cybersecurity</a:t>
+            </a:r>
+          </a:p>
+          <a:p>
+            <a:r>
+              <a:rPr lang="en-US" dirty="0" smtClean="0"/>
+              <a:t>Internet of Things</a:t>
+            </a:r>
+          </a:p>
+        </p:txBody>
+      </p:sp>
+      <p:sp>
+        <p:nvSpPr>
+          <p:cNvPr id="4" name="Date Placeholder 3"/>
+          <p:cNvSpPr>
+            <a:spLocks noGrp="1"/>
+          </p:cNvSpPr>
+          <p:nvPr>
+            <p:ph type="dt" sz="half" idx="10"/>
+          </p:nvPr>
+        </p:nvSpPr>
+        <p:spPr/>
+        <p:txBody>
+          <a:bodyPr/>
+          <a:lstStyle/>
+          <a:p>
+            <a:fld id="{FD22B2CC-7785-412E-A626-03C0A2A84850}" type="datetime2">
+              <a:rPr lang="en-GB" smtClean="0"/>
+              <a:t>Tuesday, 22 November 2022</a:t>
+            </a:fld>
+            <a:endParaRPr lang="de-DE"/>
+          </a:p>
+        </p:txBody>
+      </p:sp>
+      <p:sp>
+        <p:nvSpPr>
+          <p:cNvPr id="5" name="Slide Number Placeholder 4"/>
+          <p:cNvSpPr>
+            <a:spLocks noGrp="1"/>
+          </p:cNvSpPr>
+          <p:nvPr>
+            <p:ph type="sldNum" sz="quarter" idx="12"/>
+          </p:nvPr>
+        </p:nvSpPr>
+        <p:spPr/>
+        <p:txBody>
+          <a:bodyPr/>
+          <a:lstStyle/>
+          <a:p>
+            <a:fld id="{F59C70E6-6C27-47C3-B56D-C58F40D84728}" type="slidenum">
+              <a:rPr lang="de-DE" smtClean="0"/>
+              <a:pPr/>
+              <a:t>6</a:t>
+            </a:fld>
+            <a:endParaRPr lang="de-DE"/>
+          </a:p>
+        </p:txBody>
+      </p:sp>
+      <p:sp>
+        <p:nvSpPr>
+          <p:cNvPr id="6" name="Footer Placeholder 5"/>
+          <p:cNvSpPr>
+            <a:spLocks noGrp="1"/>
+          </p:cNvSpPr>
+          <p:nvPr>
+            <p:ph type="ftr" sz="quarter" idx="11"/>
+          </p:nvPr>
+        </p:nvSpPr>
+        <p:spPr/>
+        <p:txBody>
+          <a:bodyPr/>
+          <a:lstStyle/>
+          <a:p>
+            <a:r>
+              <a:rPr lang="de-DE" smtClean="0"/>
+              <a:t>https://github.com/ethernalraine/uni</a:t>
+            </a:r>
+            <a:endParaRPr lang="de-DE"/>
+          </a:p>
+        </p:txBody>
+      </p:sp>
+      <p:sp>
+        <p:nvSpPr>
+          <p:cNvPr id="8" name="Title 1"/>
+          <p:cNvSpPr txBox="1">
+            <a:spLocks/>
+          </p:cNvSpPr>
+          <p:nvPr/>
+        </p:nvSpPr>
+        <p:spPr>
+          <a:xfrm>
+            <a:off x="899592" y="1124744"/>
+            <a:ext cx="7772400" cy="526128"/>
+          </a:xfrm>
+          <a:prstGeom prst="rect">
+            <a:avLst/>
+          </a:prstGeom>
+        </p:spPr>
+        <p:txBody>
+          <a:bodyPr vert="horz" anchor="t">
+            <a:noAutofit/>
+          </a:bodyPr>
+          <a:lstStyle/>
+          <a:p>
+            <a:pPr marL="0" marR="0" lvl="0" indent="0" algn="l" defTabSz="914400" rtl="0" eaLnBrk="1" fontAlgn="auto" latinLnBrk="0" hangingPunct="1">
+              <a:lnSpc>
+                <a:spcPct val="100000"/>
+              </a:lnSpc>
+              <a:spcBef>
+                <a:spcPct val="0"/>
+              </a:spcBef>
+              <a:spcAft>
+                <a:spcPts val="0"/>
+              </a:spcAft>
+              <a:buClrTx/>
+              <a:buSzTx/>
+              <a:buFontTx/>
+              <a:buNone/>
+              <a:tabLst/>
+              <a:defRPr/>
+            </a:pPr>
+            <a:r>
+              <a:rPr lang="en-US" sz="2800" spc="-100" dirty="0" smtClean="0">
+                <a:solidFill>
+                  <a:schemeClr val="tx2">
+                    <a:satMod val="200000"/>
+                  </a:schemeClr>
+                </a:solidFill>
+                <a:latin typeface="+mj-lt"/>
+                <a:ea typeface="+mj-ea"/>
+                <a:cs typeface="+mj-cs"/>
+              </a:rPr>
+              <a:t>Current Divisions</a:t>
+            </a:r>
+            <a:endParaRPr kumimoji="0" lang="de-DE" sz="2800" b="0" i="0" u="none" strike="noStrike" kern="1200" cap="none" spc="-100" normalizeH="0" baseline="0" noProof="0" dirty="0">
+              <a:ln>
+                <a:noFill/>
+              </a:ln>
+              <a:solidFill>
+                <a:schemeClr val="tx2">
+                  <a:satMod val="200000"/>
+                </a:schemeClr>
+              </a:solidFill>
+              <a:effectLst/>
+              <a:uLnTx/>
+              <a:uFillTx/>
+              <a:latin typeface="+mj-lt"/>
+              <a:ea typeface="+mj-ea"/>
+              <a:cs typeface="+mj-cs"/>
+            </a:endParaRPr>
+          </a:p>
+        </p:txBody>
+      </p:sp>
+    </p:spTree>
+  </p:cSld>
+  <p:clrMapOvr>
+    <a:masterClrMapping/>
+  </p:clrMapOvr>
+  <p:transition>
+    <p:fade/>
+  </p:transition>
+  <p:timing>
+    <p:tnLst>
+      <p:par>
+        <p:cTn id="1" dur="indefinite" restart="never" nodeType="tmRoot"/>
+      </p:par>
+    </p:tnLst>
+  </p:timing>
+</p:sld>
+</file>
+
+<file path=ppt/slides/slide7.xml><?xml version="1.0" encoding="utf-8"?>
+<p:sld xmlns:a="http://schemas.openxmlformats.org/drawingml/2006/main" xmlns:r="http://schemas.openxmlformats.org/officeDocument/2006/relationships" xmlns:p="http://schemas.openxmlformats.org/presentationml/2006/main">
+  <p:cSld>
+    <p:spTree>
+      <p:nvGrpSpPr>
+        <p:cNvPr id="1" name=""/>
+        <p:cNvGrpSpPr/>
+        <p:nvPr/>
+      </p:nvGrpSpPr>
+      <p:grpSpPr>
+        <a:xfrm>
+          <a:off x="0" y="0"/>
+          <a:ext cx="0" cy="0"/>
+          <a:chOff x="0" y="0"/>
+          <a:chExt cx="0" cy="0"/>
+        </a:xfrm>
+      </p:grpSpPr>
+      <p:sp>
+        <p:nvSpPr>
+          <p:cNvPr id="2" name="Title 1"/>
+          <p:cNvSpPr>
+            <a:spLocks noGrp="1"/>
+          </p:cNvSpPr>
+          <p:nvPr>
+            <p:ph type="title"/>
+          </p:nvPr>
+        </p:nvSpPr>
+        <p:spPr/>
+        <p:txBody>
+          <a:bodyPr/>
+          <a:lstStyle/>
+          <a:p>
+            <a:r>
+              <a:rPr lang="en-US" dirty="0" smtClean="0"/>
+              <a:t>Divisions and Projects</a:t>
+            </a:r>
+            <a:endParaRPr lang="de-DE" dirty="0"/>
+          </a:p>
+        </p:txBody>
+      </p:sp>
+      <p:sp>
+        <p:nvSpPr>
+          <p:cNvPr id="3" name="Content Placeholder 2"/>
+          <p:cNvSpPr>
+            <a:spLocks noGrp="1"/>
+          </p:cNvSpPr>
+          <p:nvPr>
+            <p:ph idx="1"/>
+          </p:nvPr>
+        </p:nvSpPr>
+        <p:spPr/>
+        <p:txBody>
+          <a:bodyPr/>
+          <a:lstStyle/>
+          <a:p>
+            <a:r>
+              <a:rPr lang="en-US" dirty="0" smtClean="0"/>
+              <a:t>Printers and Keyboards</a:t>
+            </a:r>
+          </a:p>
+          <a:p>
+            <a:pPr lvl="1"/>
+            <a:r>
+              <a:rPr lang="en-US" dirty="0" smtClean="0"/>
+              <a:t>Spun off into Lexmark</a:t>
+            </a:r>
+          </a:p>
+          <a:p>
+            <a:r>
+              <a:rPr lang="en-US" dirty="0" smtClean="0"/>
+              <a:t>Personal Computers and Enterprise Servers</a:t>
+            </a:r>
+          </a:p>
+          <a:p>
+            <a:pPr lvl="1"/>
+            <a:r>
+              <a:rPr lang="en-US" dirty="0" smtClean="0"/>
+              <a:t>Sold </a:t>
+            </a:r>
+            <a:r>
+              <a:rPr lang="en-US" dirty="0" smtClean="0"/>
+              <a:t>in 2005 </a:t>
+            </a:r>
+            <a:r>
+              <a:rPr lang="en-US" dirty="0" smtClean="0"/>
+              <a:t>and 2014 to Lenovo</a:t>
+            </a:r>
+          </a:p>
+          <a:p>
+            <a:r>
+              <a:rPr lang="en-US" dirty="0" smtClean="0"/>
+              <a:t>Managed Infrastructure</a:t>
+            </a:r>
+          </a:p>
+          <a:p>
+            <a:pPr lvl="1"/>
+            <a:r>
+              <a:rPr lang="en-US" dirty="0" smtClean="0"/>
+              <a:t>Spun off into </a:t>
+            </a:r>
+            <a:r>
+              <a:rPr lang="en-US" dirty="0" err="1" smtClean="0"/>
+              <a:t>Kyndryl</a:t>
+            </a:r>
+            <a:endParaRPr lang="en-US" dirty="0" smtClean="0"/>
+          </a:p>
+          <a:p>
+            <a:r>
+              <a:rPr lang="en-US" dirty="0" smtClean="0"/>
+              <a:t>Watson Health AI</a:t>
+            </a:r>
+          </a:p>
+          <a:p>
+            <a:pPr lvl="1"/>
+            <a:r>
+              <a:rPr lang="en-US" dirty="0" smtClean="0"/>
+              <a:t>Sold to Francisco Partners (Private Equity)</a:t>
+            </a:r>
+            <a:endParaRPr lang="en-US" dirty="0" smtClean="0"/>
+          </a:p>
+        </p:txBody>
+      </p:sp>
+      <p:sp>
+        <p:nvSpPr>
+          <p:cNvPr id="4" name="Date Placeholder 3"/>
+          <p:cNvSpPr>
+            <a:spLocks noGrp="1"/>
+          </p:cNvSpPr>
+          <p:nvPr>
+            <p:ph type="dt" sz="half" idx="10"/>
+          </p:nvPr>
+        </p:nvSpPr>
+        <p:spPr/>
+        <p:txBody>
+          <a:bodyPr/>
+          <a:lstStyle/>
+          <a:p>
+            <a:fld id="{FD22B2CC-7785-412E-A626-03C0A2A84850}" type="datetime2">
+              <a:rPr lang="en-GB" smtClean="0"/>
+              <a:t>Tuesday, 22 November 2022</a:t>
+            </a:fld>
+            <a:endParaRPr lang="de-DE"/>
+          </a:p>
+        </p:txBody>
+      </p:sp>
+      <p:sp>
+        <p:nvSpPr>
+          <p:cNvPr id="5" name="Slide Number Placeholder 4"/>
+          <p:cNvSpPr>
+            <a:spLocks noGrp="1"/>
+          </p:cNvSpPr>
+          <p:nvPr>
+            <p:ph type="sldNum" sz="quarter" idx="12"/>
+          </p:nvPr>
+        </p:nvSpPr>
+        <p:spPr/>
+        <p:txBody>
+          <a:bodyPr/>
+          <a:lstStyle/>
+          <a:p>
+            <a:fld id="{F59C70E6-6C27-47C3-B56D-C58F40D84728}" type="slidenum">
+              <a:rPr lang="de-DE" smtClean="0"/>
+              <a:pPr/>
+              <a:t>7</a:t>
+            </a:fld>
+            <a:endParaRPr lang="de-DE"/>
+          </a:p>
+        </p:txBody>
+      </p:sp>
+      <p:sp>
+        <p:nvSpPr>
+          <p:cNvPr id="6" name="Footer Placeholder 5"/>
+          <p:cNvSpPr>
+            <a:spLocks noGrp="1"/>
+          </p:cNvSpPr>
+          <p:nvPr>
+            <p:ph type="ftr" sz="quarter" idx="11"/>
+          </p:nvPr>
+        </p:nvSpPr>
+        <p:spPr/>
+        <p:txBody>
+          <a:bodyPr/>
+          <a:lstStyle/>
+          <a:p>
+            <a:r>
+              <a:rPr lang="de-DE" smtClean="0"/>
+              <a:t>https://github.com/ethernalraine/uni</a:t>
+            </a:r>
+            <a:endParaRPr lang="de-DE"/>
+          </a:p>
+        </p:txBody>
+      </p:sp>
+      <p:sp>
+        <p:nvSpPr>
+          <p:cNvPr id="8" name="Title 1"/>
+          <p:cNvSpPr txBox="1">
+            <a:spLocks/>
+          </p:cNvSpPr>
+          <p:nvPr/>
+        </p:nvSpPr>
+        <p:spPr>
+          <a:xfrm>
+            <a:off x="899592" y="1124744"/>
+            <a:ext cx="7772400" cy="526128"/>
+          </a:xfrm>
+          <a:prstGeom prst="rect">
+            <a:avLst/>
+          </a:prstGeom>
+        </p:spPr>
+        <p:txBody>
+          <a:bodyPr vert="horz" anchor="t">
+            <a:noAutofit/>
+          </a:bodyPr>
+          <a:lstStyle/>
+          <a:p>
+            <a:pPr marL="0" marR="0" lvl="0" indent="0" algn="l" defTabSz="914400" rtl="0" eaLnBrk="1" fontAlgn="auto" latinLnBrk="0" hangingPunct="1">
+              <a:lnSpc>
+                <a:spcPct val="100000"/>
+              </a:lnSpc>
+              <a:spcBef>
+                <a:spcPct val="0"/>
+              </a:spcBef>
+              <a:spcAft>
+                <a:spcPts val="0"/>
+              </a:spcAft>
+              <a:buClrTx/>
+              <a:buSzTx/>
+              <a:buFontTx/>
+              <a:buNone/>
+              <a:tabLst/>
+              <a:defRPr/>
+            </a:pPr>
+            <a:r>
+              <a:rPr lang="en-US" sz="2800" spc="-100" dirty="0" smtClean="0">
+                <a:solidFill>
+                  <a:schemeClr val="tx2">
+                    <a:satMod val="200000"/>
+                  </a:schemeClr>
+                </a:solidFill>
+                <a:latin typeface="+mj-lt"/>
+                <a:ea typeface="+mj-ea"/>
+                <a:cs typeface="+mj-cs"/>
+              </a:rPr>
+              <a:t>Past Divisions</a:t>
+            </a:r>
+            <a:endParaRPr kumimoji="0" lang="de-DE" sz="2800" b="0" i="0" u="none" strike="noStrike" kern="1200" cap="none" spc="-100" normalizeH="0" baseline="0" noProof="0" dirty="0">
+              <a:ln>
+                <a:noFill/>
+              </a:ln>
+              <a:solidFill>
+                <a:schemeClr val="tx2">
+                  <a:satMod val="200000"/>
+                </a:schemeClr>
+              </a:solidFill>
+              <a:effectLst/>
+              <a:uLnTx/>
+              <a:uFillTx/>
+              <a:latin typeface="+mj-lt"/>
+              <a:ea typeface="+mj-ea"/>
+              <a:cs typeface="+mj-cs"/>
+            </a:endParaRPr>
+          </a:p>
+        </p:txBody>
+      </p:sp>
+    </p:spTree>
+  </p:cSld>
+  <p:clrMapOvr>
+    <a:masterClrMapping/>
+  </p:clrMapOvr>
+  <p:transition>
+    <p:fade/>
+  </p:transition>
+  <p:timing>
+    <p:tnLst>
+      <p:par>
+        <p:cTn id="1" dur="indefinite" restart="never" nodeType="tmRoot"/>
+      </p:par>
+    </p:tnLst>
+  </p:timing>
+</p:sld>
+</file>
+
+<file path=ppt/slides/slide8.xml><?xml version="1.0" encoding="utf-8"?>
+<p:sld xmlns:a="http://schemas.openxmlformats.org/drawingml/2006/main" xmlns:r="http://schemas.openxmlformats.org/officeDocument/2006/relationships" xmlns:p="http://schemas.openxmlformats.org/presentationml/2006/main">
+  <p:cSld>
+    <p:spTree>
+      <p:nvGrpSpPr>
+        <p:cNvPr id="1" name=""/>
+        <p:cNvGrpSpPr/>
+        <p:nvPr/>
+      </p:nvGrpSpPr>
+      <p:grpSpPr>
+        <a:xfrm>
+          <a:off x="0" y="0"/>
+          <a:ext cx="0" cy="0"/>
+          <a:chOff x="0" y="0"/>
+          <a:chExt cx="0" cy="0"/>
+        </a:xfrm>
+      </p:grpSpPr>
+      <p:sp>
+        <p:nvSpPr>
+          <p:cNvPr id="2" name="Text Placeholder 1"/>
+          <p:cNvSpPr>
+            <a:spLocks noGrp="1"/>
+          </p:cNvSpPr>
+          <p:nvPr>
+            <p:ph type="body" idx="1"/>
+          </p:nvPr>
+        </p:nvSpPr>
+        <p:spPr/>
+        <p:txBody>
+          <a:bodyPr/>
+          <a:lstStyle/>
+          <a:p>
+            <a:r>
+              <a:rPr lang="en-US" dirty="0" smtClean="0"/>
+              <a:t>The life blood of supercomputers around the world, IBM’s bread and butter when it comes to powerful and power hungry computing.</a:t>
+            </a:r>
+            <a:endParaRPr lang="de-DE" dirty="0"/>
+          </a:p>
+        </p:txBody>
+      </p:sp>
+      <p:sp>
+        <p:nvSpPr>
+          <p:cNvPr id="3" name="Title 2"/>
+          <p:cNvSpPr>
+            <a:spLocks noGrp="1"/>
+          </p:cNvSpPr>
+          <p:nvPr>
+            <p:ph type="title"/>
+          </p:nvPr>
+        </p:nvSpPr>
+        <p:spPr/>
+        <p:txBody>
+          <a:bodyPr/>
+          <a:lstStyle/>
+          <a:p>
+            <a:r>
+              <a:rPr lang="en-US" dirty="0" smtClean="0"/>
+              <a:t>Mainframes</a:t>
+            </a:r>
+            <a:endParaRPr lang="de-DE" dirty="0"/>
+          </a:p>
+        </p:txBody>
+      </p:sp>
+      <p:sp>
+        <p:nvSpPr>
+          <p:cNvPr id="4" name="Date Placeholder 3"/>
+          <p:cNvSpPr>
+            <a:spLocks noGrp="1"/>
+          </p:cNvSpPr>
+          <p:nvPr>
+            <p:ph type="dt" sz="half" idx="10"/>
+          </p:nvPr>
+        </p:nvSpPr>
+        <p:spPr/>
+        <p:txBody>
+          <a:bodyPr/>
+          <a:lstStyle/>
+          <a:p>
+            <a:fld id="{79306B67-EBCF-4356-B01F-3F056664F376}" type="datetime2">
+              <a:rPr lang="en-GB" smtClean="0"/>
+              <a:t>Tuesday, 22 November 2022</a:t>
+            </a:fld>
+            <a:endParaRPr lang="de-DE"/>
+          </a:p>
+        </p:txBody>
+      </p:sp>
+      <p:sp>
+        <p:nvSpPr>
+          <p:cNvPr id="5" name="Slide Number Placeholder 4"/>
+          <p:cNvSpPr>
+            <a:spLocks noGrp="1"/>
+          </p:cNvSpPr>
+          <p:nvPr>
+            <p:ph type="sldNum" sz="quarter" idx="12"/>
+          </p:nvPr>
+        </p:nvSpPr>
+        <p:spPr/>
+        <p:txBody>
+          <a:bodyPr/>
+          <a:lstStyle/>
+          <a:p>
+            <a:fld id="{F59C70E6-6C27-47C3-B56D-C58F40D84728}" type="slidenum">
+              <a:rPr lang="de-DE" smtClean="0"/>
+              <a:pPr/>
+              <a:t>8</a:t>
+            </a:fld>
+            <a:endParaRPr lang="de-DE"/>
+          </a:p>
+        </p:txBody>
+      </p:sp>
+      <p:sp>
+        <p:nvSpPr>
+          <p:cNvPr id="6" name="Footer Placeholder 5"/>
+          <p:cNvSpPr>
+            <a:spLocks noGrp="1"/>
+          </p:cNvSpPr>
+          <p:nvPr>
+            <p:ph type="ftr" sz="quarter" idx="11"/>
+          </p:nvPr>
+        </p:nvSpPr>
+        <p:spPr/>
+        <p:txBody>
+          <a:bodyPr/>
+          <a:lstStyle/>
+          <a:p>
+            <a:r>
+              <a:rPr lang="de-DE" smtClean="0"/>
+              <a:t>https://github.com/ethernalraine/uni</a:t>
+            </a:r>
+            <a:endParaRPr lang="de-DE"/>
+          </a:p>
+        </p:txBody>
+      </p:sp>
+    </p:spTree>
+  </p:cSld>
+  <p:clrMapOvr>
+    <a:masterClrMapping/>
+  </p:clrMapOvr>
+  <p:transition>
+    <p:fade/>
+  </p:transition>
+  <p:timing>
+    <p:tnLst>
+      <p:par>
+        <p:cTn id="1" dur="indefinite" restart="never" nodeType="tmRoot"/>
+      </p:par>
+    </p:tnLst>
+  </p:timing>
+</p:sld>
+</file>
+
+<file path=ppt/slides/slide9.xml><?xml version="1.0" encoding="utf-8"?>
+<p:sld xmlns:a="http://schemas.openxmlformats.org/drawingml/2006/main" xmlns:r="http://schemas.openxmlformats.org/officeDocument/2006/relationships" xmlns:p="http://schemas.openxmlformats.org/presentationml/2006/main">
+  <p:cSld>
+    <p:spTree>
+      <p:nvGrpSpPr>
+        <p:cNvPr id="1" name=""/>
+        <p:cNvGrpSpPr/>
+        <p:nvPr/>
+      </p:nvGrpSpPr>
+      <p:grpSpPr>
+        <a:xfrm>
+          <a:off x="0" y="0"/>
+          <a:ext cx="0" cy="0"/>
+          <a:chOff x="0" y="0"/>
+          <a:chExt cx="0" cy="0"/>
+        </a:xfrm>
+      </p:grpSpPr>
+      <p:sp>
+        <p:nvSpPr>
+          <p:cNvPr id="2" name="Title 1"/>
+          <p:cNvSpPr>
+            <a:spLocks noGrp="1"/>
+          </p:cNvSpPr>
+          <p:nvPr>
+            <p:ph type="title"/>
+          </p:nvPr>
+        </p:nvSpPr>
+        <p:spPr/>
+        <p:txBody>
+          <a:bodyPr/>
+          <a:lstStyle/>
+          <a:p>
+            <a:r>
+              <a:rPr lang="en-US" dirty="0" smtClean="0"/>
+              <a:t>300-Series Architecture</a:t>
+            </a:r>
+            <a:endParaRPr lang="de-DE" dirty="0"/>
+          </a:p>
+        </p:txBody>
+      </p:sp>
+      <p:sp>
+        <p:nvSpPr>
+          <p:cNvPr id="3" name="Content Placeholder 2"/>
+          <p:cNvSpPr>
+            <a:spLocks noGrp="1"/>
+          </p:cNvSpPr>
+          <p:nvPr>
+            <p:ph idx="1"/>
+          </p:nvPr>
+        </p:nvSpPr>
+        <p:spPr/>
+        <p:txBody>
+          <a:bodyPr/>
+          <a:lstStyle/>
+          <a:p>
+            <a:r>
+              <a:rPr lang="en-US" dirty="0" smtClean="0"/>
+              <a:t>Massive redesign from 1400 and 700 series</a:t>
+            </a:r>
+          </a:p>
+          <a:p>
+            <a:r>
+              <a:rPr lang="en-US" dirty="0" smtClean="0"/>
+              <a:t>32-Bit  Complex-ISA</a:t>
+            </a:r>
+          </a:p>
+          <a:p>
+            <a:r>
+              <a:rPr lang="en-US" dirty="0" smtClean="0"/>
+              <a:t>Introduction of the 8-bit byte</a:t>
+            </a:r>
+          </a:p>
+          <a:p>
+            <a:r>
+              <a:rPr lang="en-US" dirty="0" smtClean="0"/>
+              <a:t>Byte-addressable memory</a:t>
+            </a:r>
+          </a:p>
+          <a:p>
+            <a:r>
+              <a:rPr lang="en-US" dirty="0" smtClean="0"/>
+              <a:t>Emulation support for previous generations</a:t>
+            </a:r>
+            <a:endParaRPr lang="de-DE" dirty="0"/>
+          </a:p>
+        </p:txBody>
+      </p:sp>
+      <p:sp>
+        <p:nvSpPr>
+          <p:cNvPr id="4" name="Date Placeholder 3"/>
+          <p:cNvSpPr>
+            <a:spLocks noGrp="1"/>
+          </p:cNvSpPr>
+          <p:nvPr>
+            <p:ph type="dt" sz="half" idx="10"/>
+          </p:nvPr>
+        </p:nvSpPr>
+        <p:spPr/>
+        <p:txBody>
+          <a:bodyPr/>
+          <a:lstStyle/>
+          <a:p>
+            <a:fld id="{10BB0806-CB8C-4A4B-8EFF-CFC81BFBCA49}" type="datetime2">
+              <a:rPr lang="en-GB" smtClean="0"/>
+              <a:t>Tuesday, 22 November 2022</a:t>
+            </a:fld>
+            <a:endParaRPr lang="de-DE"/>
+          </a:p>
+        </p:txBody>
+      </p:sp>
+      <p:sp>
+        <p:nvSpPr>
+          <p:cNvPr id="5" name="Slide Number Placeholder 4"/>
+          <p:cNvSpPr>
+            <a:spLocks noGrp="1"/>
+          </p:cNvSpPr>
+          <p:nvPr>
+            <p:ph type="sldNum" sz="quarter" idx="12"/>
+          </p:nvPr>
+        </p:nvSpPr>
+        <p:spPr/>
+        <p:txBody>
+          <a:bodyPr/>
+          <a:lstStyle/>
+          <a:p>
+            <a:fld id="{F59C70E6-6C27-47C3-B56D-C58F40D84728}" type="slidenum">
+              <a:rPr lang="de-DE" smtClean="0"/>
+              <a:pPr/>
+              <a:t>9</a:t>
+            </a:fld>
+            <a:endParaRPr lang="de-DE"/>
+          </a:p>
+        </p:txBody>
+      </p:sp>
+      <p:sp>
+        <p:nvSpPr>
+          <p:cNvPr id="6" name="Footer Placeholder 5"/>
+          <p:cNvSpPr>
+            <a:spLocks noGrp="1"/>
+          </p:cNvSpPr>
+          <p:nvPr>
+            <p:ph type="ftr" sz="quarter" idx="11"/>
+          </p:nvPr>
+        </p:nvSpPr>
+        <p:spPr/>
+        <p:txBody>
+          <a:bodyPr/>
+          <a:lstStyle/>
+          <a:p>
+            <a:r>
+              <a:rPr lang="de-DE" smtClean="0"/>
+              <a:t>https://github.com/ethernalraine/uni</a:t>
+            </a:r>
+            <a:endParaRPr lang="de-DE"/>
+          </a:p>
+        </p:txBody>
+      </p:sp>
+    </p:spTree>
+  </p:cSld>
+  <p:clrMapOvr>
+    <a:masterClrMapping/>
+  </p:clrMapOvr>
+  <p:transition>
+    <p:fade/>
+  </p:transition>
   <p:timing>
     <p:tnLst>
       <p:par>

--- a/presentations/IBM/Zero Downtime.pptx
+++ b/presentations/IBM/Zero Downtime.pptx
@@ -5,10 +5,10 @@
     <p:sldMasterId id="2147483672" r:id="rId1"/>
   </p:sldMasterIdLst>
   <p:notesMasterIdLst>
-    <p:notesMasterId r:id="rId20"/>
+    <p:notesMasterId r:id="rId18"/>
   </p:notesMasterIdLst>
   <p:handoutMasterIdLst>
-    <p:handoutMasterId r:id="rId21"/>
+    <p:handoutMasterId r:id="rId19"/>
   </p:handoutMasterIdLst>
   <p:sldIdLst>
     <p:sldId id="256" r:id="rId2"/>
@@ -23,12 +23,10 @@
     <p:sldId id="263" r:id="rId11"/>
     <p:sldId id="268" r:id="rId12"/>
     <p:sldId id="264" r:id="rId13"/>
-    <p:sldId id="270" r:id="rId14"/>
-    <p:sldId id="271" r:id="rId15"/>
-    <p:sldId id="269" r:id="rId16"/>
-    <p:sldId id="272" r:id="rId17"/>
-    <p:sldId id="275" r:id="rId18"/>
-    <p:sldId id="276" r:id="rId19"/>
+    <p:sldId id="269" r:id="rId14"/>
+    <p:sldId id="272" r:id="rId15"/>
+    <p:sldId id="275" r:id="rId16"/>
+    <p:sldId id="276" r:id="rId17"/>
   </p:sldIdLst>
   <p:sldSz cx="9144000" cy="6858000" type="screen4x3"/>
   <p:notesSz cx="6858000" cy="9144000"/>
@@ -213,7 +211,7 @@
             <a:fld id="{53F8006C-E171-4E58-9BBB-A90504E75719}" type="datetimeFigureOut">
               <a:rPr lang="de-DE" smtClean="0"/>
               <a:pPr/>
-              <a:t>21.11.2022</a:t>
+              <a:t>04.12.2022</a:t>
             </a:fld>
             <a:endParaRPr lang="de-DE"/>
           </a:p>
@@ -375,7 +373,7 @@
             <a:fld id="{F9B9FC39-2DDB-4B0A-BF0F-D246E8382D6F}" type="datetimeFigureOut">
               <a:rPr lang="de-DE" smtClean="0"/>
               <a:pPr/>
-              <a:t>21.11.2022</a:t>
+              <a:t>04.12.2022</a:t>
             </a:fld>
             <a:endParaRPr lang="de-DE"/>
           </a:p>
@@ -757,10 +755,10 @@
             <a:extLst/>
           </a:lstStyle>
           <a:p>
-            <a:fld id="{A2C5E23B-B93D-458E-A9BD-CCD2F6F22FA3}" type="datetime2">
+            <a:r>
               <a:rPr lang="en-GB" smtClean="0"/>
               <a:t>Monday, 21 November 2022</a:t>
-            </a:fld>
+            </a:r>
             <a:endParaRPr lang="de-DE"/>
           </a:p>
         </p:txBody>
@@ -1482,10 +1480,10 @@
             <a:extLst/>
           </a:lstStyle>
           <a:p>
-            <a:fld id="{955FD13F-383D-4C60-9CC9-9185DAEA3476}" type="datetime2">
+            <a:r>
               <a:rPr lang="en-GB" smtClean="0"/>
               <a:t>Monday, 21 November 2022</a:t>
-            </a:fld>
+            </a:r>
             <a:endParaRPr lang="de-DE"/>
           </a:p>
         </p:txBody>
@@ -1675,10 +1673,10 @@
             <a:extLst/>
           </a:lstStyle>
           <a:p>
-            <a:fld id="{347752A6-B98F-4B58-91A1-371271DA649E}" type="datetime2">
+            <a:r>
               <a:rPr lang="en-GB" smtClean="0"/>
               <a:t>Monday, 21 November 2022</a:t>
-            </a:fld>
+            </a:r>
             <a:endParaRPr lang="de-DE"/>
           </a:p>
         </p:txBody>
@@ -1858,10 +1856,10 @@
             <a:extLst/>
           </a:lstStyle>
           <a:p>
-            <a:fld id="{E1019886-7862-4E0F-B711-E84483F9E28D}" type="datetime2">
+            <a:r>
               <a:rPr lang="en-GB" smtClean="0"/>
               <a:t>Monday, 21 November 2022</a:t>
-            </a:fld>
+            </a:r>
             <a:endParaRPr lang="de-DE"/>
           </a:p>
         </p:txBody>
@@ -3349,10 +3347,10 @@
             <a:extLst/>
           </a:lstStyle>
           <a:p>
-            <a:fld id="{CEB21C61-B5AE-4647-999B-88F6E6699E5E}" type="datetime2">
+            <a:r>
               <a:rPr lang="en-GB" smtClean="0"/>
               <a:t>Monday, 21 November 2022</a:t>
-            </a:fld>
+            </a:r>
             <a:endParaRPr lang="de-DE"/>
           </a:p>
         </p:txBody>
@@ -3957,10 +3955,10 @@
             <a:extLst/>
           </a:lstStyle>
           <a:p>
-            <a:fld id="{E02E131B-0750-4231-A73B-9C3F762AB729}" type="datetime2">
+            <a:r>
               <a:rPr lang="en-GB" smtClean="0"/>
               <a:t>Monday, 21 November 2022</a:t>
-            </a:fld>
+            </a:r>
             <a:endParaRPr lang="de-DE"/>
           </a:p>
         </p:txBody>
@@ -4402,10 +4400,10 @@
             <a:extLst/>
           </a:lstStyle>
           <a:p>
-            <a:fld id="{C0169CD5-2D17-4BFC-B4CA-5015FC081A30}" type="datetime2">
+            <a:r>
               <a:rPr lang="en-GB" smtClean="0"/>
               <a:t>Monday, 21 November 2022</a:t>
-            </a:fld>
+            </a:r>
             <a:endParaRPr lang="de-DE"/>
           </a:p>
         </p:txBody>
@@ -4971,10 +4969,10 @@
             <a:extLst/>
           </a:lstStyle>
           <a:p>
-            <a:fld id="{AFCF8A9D-0012-4A6C-9ADB-5273691F8CD1}" type="datetime2">
+            <a:r>
               <a:rPr lang="en-GB" smtClean="0"/>
               <a:t>Monday, 21 November 2022</a:t>
-            </a:fld>
+            </a:r>
             <a:endParaRPr lang="de-DE"/>
           </a:p>
         </p:txBody>
@@ -5075,10 +5073,10 @@
             <a:extLst/>
           </a:lstStyle>
           <a:p>
-            <a:fld id="{D966D15B-A2CF-4F86-B1DE-6D1DCA73A183}" type="datetime2">
+            <a:r>
               <a:rPr lang="en-GB" smtClean="0"/>
               <a:t>Monday, 21 November 2022</a:t>
-            </a:fld>
+            </a:r>
             <a:endParaRPr lang="de-DE"/>
           </a:p>
         </p:txBody>
@@ -5337,10 +5335,10 @@
             <a:extLst/>
           </a:lstStyle>
           <a:p>
-            <a:fld id="{C56947AE-4D7C-496A-820E-ACFCE03FDBE7}" type="datetime2">
+            <a:r>
               <a:rPr lang="en-GB" smtClean="0"/>
               <a:t>Monday, 21 November 2022</a:t>
-            </a:fld>
+            </a:r>
             <a:endParaRPr lang="de-DE"/>
           </a:p>
         </p:txBody>
@@ -6066,10 +6064,10 @@
             <a:extLst/>
           </a:lstStyle>
           <a:p>
-            <a:fld id="{D6B770AD-1E61-40BE-A67F-5A4CB179EB72}" type="datetime2">
+            <a:r>
               <a:rPr lang="en-GB" smtClean="0"/>
               <a:t>Monday, 21 November 2022</a:t>
-            </a:fld>
+            </a:r>
             <a:endParaRPr lang="de-DE"/>
           </a:p>
         </p:txBody>
@@ -6747,10 +6745,10 @@
             <a:extLst/>
           </a:lstStyle>
           <a:p>
-            <a:fld id="{C8EDCF5B-CA18-496F-A3C3-287E63A17817}" type="datetime2">
+            <a:r>
               <a:rPr lang="en-GB" smtClean="0"/>
               <a:t>Monday, 21 November 2022</a:t>
-            </a:fld>
+            </a:r>
             <a:endParaRPr lang="de-DE"/>
           </a:p>
         </p:txBody>
@@ -7256,10 +7254,10 @@
           <a:bodyPr/>
           <a:lstStyle/>
           <a:p>
-            <a:fld id="{85B662C2-5F8E-4601-B3A6-AFB21F43A081}" type="datetime2">
+            <a:r>
               <a:rPr lang="en-GB" smtClean="0"/>
-              <a:t>Tuesday, 22 November 2022</a:t>
-            </a:fld>
+              <a:t>Monday, 21 November 2022</a:t>
+            </a:r>
             <a:endParaRPr lang="de-DE"/>
           </a:p>
         </p:txBody>
@@ -7390,6 +7388,30 @@
             </a:r>
           </a:p>
           <a:p>
+            <a:r>
+              <a:rPr lang="en-US" dirty="0" smtClean="0"/>
+              <a:t>300-series emulation (ESA/390 after z13)</a:t>
+            </a:r>
+          </a:p>
+          <a:p>
+            <a:r>
+              <a:rPr lang="en-US" dirty="0" smtClean="0"/>
+              <a:t>Non-Java Applications have a 2GB limit</a:t>
+            </a:r>
+          </a:p>
+          <a:p>
+            <a:r>
+              <a:rPr lang="en-US" dirty="0" smtClean="0"/>
+              <a:t>Officially supports Linux</a:t>
+            </a:r>
+          </a:p>
+          <a:p>
+            <a:r>
+              <a:rPr lang="en-US" dirty="0" smtClean="0"/>
+              <a:t>Virtualization Support</a:t>
+            </a:r>
+          </a:p>
+          <a:p>
             <a:endParaRPr lang="de-DE" dirty="0"/>
           </a:p>
         </p:txBody>
@@ -7409,10 +7431,10 @@
           <a:bodyPr/>
           <a:lstStyle/>
           <a:p>
-            <a:fld id="{2F24D774-82B6-42EB-A1A4-049951F87FBC}" type="datetime2">
+            <a:r>
               <a:rPr lang="en-GB" smtClean="0"/>
-              <a:t>Tuesday, 22 November 2022</a:t>
-            </a:fld>
+              <a:t>Monday, 21 November 2022</a:t>
+            </a:r>
             <a:endParaRPr lang="de-DE"/>
           </a:p>
         </p:txBody>
@@ -7560,10 +7582,10 @@
           <a:bodyPr/>
           <a:lstStyle/>
           <a:p>
-            <a:fld id="{EF338654-C894-4A41-BD42-879210E79E1D}" type="datetime2">
+            <a:r>
               <a:rPr lang="en-GB" smtClean="0"/>
-              <a:t>Tuesday, 22 November 2022</a:t>
-            </a:fld>
+              <a:t>Monday, 21 November 2022</a:t>
+            </a:r>
             <a:endParaRPr lang="de-DE"/>
           </a:p>
         </p:txBody>
@@ -7685,10 +7707,65 @@
         </p:nvSpPr>
         <p:spPr/>
         <p:txBody>
-          <a:bodyPr/>
+          <a:bodyPr>
+            <a:normAutofit lnSpcReduction="10000"/>
+          </a:bodyPr>
           <a:lstStyle/>
           <a:p>
-            <a:endParaRPr lang="de-DE"/>
+            <a:r>
+              <a:rPr lang="en-US" dirty="0" smtClean="0"/>
+              <a:t>Banks</a:t>
+            </a:r>
+            <a:endParaRPr lang="de-DE" dirty="0" smtClean="0"/>
+          </a:p>
+          <a:p>
+            <a:r>
+              <a:rPr lang="en-US" dirty="0" smtClean="0"/>
+              <a:t>Insurance</a:t>
+            </a:r>
+          </a:p>
+          <a:p>
+            <a:r>
+              <a:rPr lang="en-US" dirty="0" smtClean="0"/>
+              <a:t>Healthcare and Hospitals</a:t>
+            </a:r>
+          </a:p>
+          <a:p>
+            <a:r>
+              <a:rPr lang="en-US" dirty="0" smtClean="0"/>
+              <a:t>Aviation Industry</a:t>
+            </a:r>
+          </a:p>
+          <a:p>
+            <a:r>
+              <a:rPr lang="en-US" dirty="0" smtClean="0"/>
+              <a:t>Retail and Online E-Commerce</a:t>
+            </a:r>
+          </a:p>
+          <a:p>
+            <a:r>
+              <a:rPr lang="en-US" dirty="0" smtClean="0"/>
+              <a:t>Military</a:t>
+            </a:r>
+          </a:p>
+          <a:p>
+            <a:r>
+              <a:rPr lang="en-US" dirty="0" smtClean="0"/>
+              <a:t>Academics and Research</a:t>
+            </a:r>
+          </a:p>
+          <a:p>
+            <a:r>
+              <a:rPr lang="en-US" dirty="0" smtClean="0"/>
+              <a:t>Supercomputers</a:t>
+            </a:r>
+          </a:p>
+          <a:p>
+            <a:r>
+              <a:rPr lang="en-US" dirty="0" smtClean="0"/>
+              <a:t>Governments</a:t>
+            </a:r>
+            <a:endParaRPr lang="en-US" dirty="0" smtClean="0"/>
           </a:p>
         </p:txBody>
       </p:sp>
@@ -7707,10 +7784,10 @@
           <a:bodyPr/>
           <a:lstStyle/>
           <a:p>
-            <a:fld id="{97E39C32-B6DB-4987-9ADE-3E92FBE8E0C9}" type="datetime2">
+            <a:r>
               <a:rPr lang="en-GB" smtClean="0"/>
-              <a:t>Tuesday, 22 November 2022</a:t>
-            </a:fld>
+              <a:t>Monday, 21 November 2022</a:t>
+            </a:r>
             <a:endParaRPr lang="de-DE"/>
           </a:p>
         </p:txBody>
@@ -7814,7 +7891,7 @@
           <a:p>
             <a:r>
               <a:rPr lang="en-US" dirty="0" smtClean="0"/>
-              <a:t>Influences</a:t>
+              <a:t>Field Advancements</a:t>
             </a:r>
             <a:endParaRPr lang="de-DE" dirty="0"/>
           </a:p>
@@ -7835,7 +7912,45 @@
           <a:bodyPr/>
           <a:lstStyle/>
           <a:p>
-            <a:endParaRPr lang="de-DE"/>
+            <a:r>
+              <a:rPr lang="en-US" dirty="0" smtClean="0"/>
+              <a:t>64-Bit Instruction Sets</a:t>
+            </a:r>
+            <a:endParaRPr lang="de-DE" dirty="0" smtClean="0"/>
+          </a:p>
+          <a:p>
+            <a:r>
+              <a:rPr lang="en-US" dirty="0" smtClean="0"/>
+              <a:t>8-Bit Byte</a:t>
+            </a:r>
+          </a:p>
+          <a:p>
+            <a:r>
+              <a:rPr lang="en-US" dirty="0" smtClean="0"/>
+              <a:t>Byte-Addressable Memory Pages</a:t>
+            </a:r>
+          </a:p>
+          <a:p>
+            <a:r>
+              <a:rPr lang="en-US" dirty="0" smtClean="0"/>
+              <a:t>Virtualization</a:t>
+            </a:r>
+          </a:p>
+          <a:p>
+            <a:r>
+              <a:rPr lang="en-US" dirty="0" smtClean="0"/>
+              <a:t>High Speed Intercom</a:t>
+            </a:r>
+          </a:p>
+          <a:p>
+            <a:r>
+              <a:rPr lang="en-US" dirty="0" smtClean="0"/>
+              <a:t>Redundancy</a:t>
+            </a:r>
+            <a:endParaRPr lang="en-US" dirty="0" smtClean="0"/>
+          </a:p>
+          <a:p>
+            <a:endParaRPr lang="de-DE" dirty="0"/>
           </a:p>
         </p:txBody>
       </p:sp>
@@ -7854,10 +7969,10 @@
           <a:bodyPr/>
           <a:lstStyle/>
           <a:p>
-            <a:fld id="{1E4C02FC-2F11-4572-B63F-79EFAC34B5B9}" type="datetime2">
+            <a:r>
               <a:rPr lang="en-GB" smtClean="0"/>
-              <a:t>Tuesday, 22 November 2022</a:t>
-            </a:fld>
+              <a:t>Monday, 21 November 2022</a:t>
+            </a:r>
             <a:endParaRPr lang="de-DE"/>
           </a:p>
         </p:txBody>
@@ -7946,12 +8061,12 @@
       </p:grpSpPr>
       <p:sp>
         <p:nvSpPr>
-          <p:cNvPr id="2" name="Title 1"/>
-          <p:cNvSpPr>
-            <a:spLocks noGrp="1"/>
-          </p:cNvSpPr>
-          <p:nvPr>
-            <p:ph type="title"/>
+          <p:cNvPr id="2" name="Text Placeholder 1"/>
+          <p:cNvSpPr>
+            <a:spLocks noGrp="1"/>
+          </p:cNvSpPr>
+          <p:nvPr>
+            <p:ph type="body" idx="1"/>
           </p:nvPr>
         </p:nvSpPr>
         <p:spPr/>
@@ -7961,7 +8076,7 @@
           <a:p>
             <a:r>
               <a:rPr lang="en-US" dirty="0" smtClean="0"/>
-              <a:t>Historical Reminders</a:t>
+              <a:t>Sources and Link to Slides and Notes online</a:t>
             </a:r>
             <a:endParaRPr lang="de-DE" dirty="0"/>
           </a:p>
@@ -7969,12 +8084,12 @@
       </p:sp>
       <p:sp>
         <p:nvSpPr>
-          <p:cNvPr id="3" name="Content Placeholder 2"/>
-          <p:cNvSpPr>
-            <a:spLocks noGrp="1"/>
-          </p:cNvSpPr>
-          <p:nvPr>
-            <p:ph idx="1"/>
+          <p:cNvPr id="3" name="Date Placeholder 2"/>
+          <p:cNvSpPr>
+            <a:spLocks noGrp="1"/>
+          </p:cNvSpPr>
+          <p:nvPr>
+            <p:ph type="dt" sz="half" idx="10"/>
           </p:nvPr>
         </p:nvSpPr>
         <p:spPr/>
@@ -7982,18 +8097,22 @@
           <a:bodyPr/>
           <a:lstStyle/>
           <a:p>
+            <a:r>
+              <a:rPr lang="en-GB" smtClean="0"/>
+              <a:t>Monday, 21 November 2022</a:t>
+            </a:r>
             <a:endParaRPr lang="de-DE"/>
           </a:p>
         </p:txBody>
       </p:sp>
       <p:sp>
         <p:nvSpPr>
-          <p:cNvPr id="4" name="Date Placeholder 3"/>
-          <p:cNvSpPr>
-            <a:spLocks noGrp="1"/>
-          </p:cNvSpPr>
-          <p:nvPr>
-            <p:ph type="dt" sz="half" idx="10"/>
+          <p:cNvPr id="4" name="Footer Placeholder 3"/>
+          <p:cNvSpPr>
+            <a:spLocks noGrp="1"/>
+          </p:cNvSpPr>
+          <p:nvPr>
+            <p:ph type="ftr" sz="quarter" idx="11"/>
           </p:nvPr>
         </p:nvSpPr>
         <p:spPr/>
@@ -8001,10 +8120,10 @@
           <a:bodyPr/>
           <a:lstStyle/>
           <a:p>
-            <a:fld id="{F4E8DF03-E5B2-4A0A-BFD7-5D3736548654}" type="datetime2">
-              <a:rPr lang="en-GB" smtClean="0"/>
-              <a:t>Tuesday, 22 November 2022</a:t>
-            </a:fld>
+            <a:r>
+              <a:rPr lang="de-DE" smtClean="0"/>
+              <a:t>https://github.com/ethernalraine/uni</a:t>
+            </a:r>
             <a:endParaRPr lang="de-DE"/>
           </a:p>
         </p:txBody>
@@ -8035,12 +8154,12 @@
       </p:sp>
       <p:sp>
         <p:nvSpPr>
-          <p:cNvPr id="6" name="Footer Placeholder 5"/>
-          <p:cNvSpPr>
-            <a:spLocks noGrp="1"/>
-          </p:cNvSpPr>
-          <p:nvPr>
-            <p:ph type="ftr" sz="quarter" idx="11"/>
+          <p:cNvPr id="6" name="Title 5"/>
+          <p:cNvSpPr>
+            <a:spLocks noGrp="1"/>
+          </p:cNvSpPr>
+          <p:nvPr>
+            <p:ph type="title"/>
           </p:nvPr>
         </p:nvSpPr>
         <p:spPr/>
@@ -8049,10 +8168,10 @@
           <a:lstStyle/>
           <a:p>
             <a:r>
-              <a:rPr lang="de-DE" smtClean="0"/>
-              <a:t>https://github.com/ethernalraine/uni</a:t>
-            </a:r>
-            <a:endParaRPr lang="de-DE"/>
+              <a:rPr lang="en-US" dirty="0" smtClean="0"/>
+              <a:t>Miscellaneous</a:t>
+            </a:r>
+            <a:endParaRPr lang="de-DE" dirty="0"/>
           </a:p>
         </p:txBody>
       </p:sp>
@@ -8108,7 +8227,7 @@
           <a:p>
             <a:r>
               <a:rPr lang="en-US" dirty="0" smtClean="0"/>
-              <a:t>Field Advancements</a:t>
+              <a:t>Sources</a:t>
             </a:r>
             <a:endParaRPr lang="de-DE" dirty="0"/>
           </a:p>
@@ -8129,18 +8248,87 @@
           <a:bodyPr/>
           <a:lstStyle/>
           <a:p>
+            <a:r>
+              <a:rPr lang="de-DE" dirty="0" smtClean="0">
+                <a:hlinkClick r:id="rId2"/>
+              </a:rPr>
+              <a:t>https://en.wikipedia.org/wiki/IBM</a:t>
+            </a:r>
+            <a:endParaRPr lang="de-DE" dirty="0" smtClean="0"/>
+          </a:p>
+          <a:p>
+            <a:r>
+              <a:rPr lang="de-DE" dirty="0" smtClean="0">
+                <a:hlinkClick r:id="rId3"/>
+              </a:rPr>
+              <a:t>https://en.wikipedia.org/wiki/IBM_System/360_architecture</a:t>
+            </a:r>
+            <a:endParaRPr lang="de-DE" dirty="0" smtClean="0"/>
+          </a:p>
+          <a:p>
+            <a:r>
+              <a:rPr lang="de-DE" dirty="0" smtClean="0">
+                <a:hlinkClick r:id="rId4"/>
+              </a:rPr>
+              <a:t>https://en.wikipedia.org/wiki/Z/Architecture</a:t>
+            </a:r>
+            <a:endParaRPr lang="de-DE" dirty="0" smtClean="0"/>
+          </a:p>
+          <a:p>
+            <a:r>
+              <a:rPr lang="de-DE" dirty="0" smtClean="0">
+                <a:hlinkClick r:id="rId5"/>
+              </a:rPr>
+              <a:t>https://en.wikipedia.org/wiki/IBM_System/370</a:t>
+            </a:r>
+            <a:endParaRPr lang="de-DE" dirty="0" smtClean="0"/>
+          </a:p>
+          <a:p>
+            <a:r>
+              <a:rPr lang="de-DE" dirty="0" smtClean="0">
+                <a:hlinkClick r:id="rId6"/>
+              </a:rPr>
+              <a:t>https://en.wikipedia.org/wiki/IBM_System/390</a:t>
+            </a:r>
+            <a:r>
+              <a:rPr lang="de-DE" dirty="0" smtClean="0"/>
+              <a:t> </a:t>
+            </a:r>
+            <a:endParaRPr lang="de-DE" dirty="0"/>
+          </a:p>
+        </p:txBody>
+      </p:sp>
+      <p:sp>
+        <p:nvSpPr>
+          <p:cNvPr id="4" name="Date Placeholder 3"/>
+          <p:cNvSpPr>
+            <a:spLocks noGrp="1"/>
+          </p:cNvSpPr>
+          <p:nvPr>
+            <p:ph type="dt" sz="half" idx="10"/>
+          </p:nvPr>
+        </p:nvSpPr>
+        <p:spPr/>
+        <p:txBody>
+          <a:bodyPr/>
+          <a:lstStyle/>
+          <a:p>
+            <a:r>
+              <a:rPr lang="en-GB" smtClean="0"/>
+              <a:t>Monday, 21 November 2022</a:t>
+            </a:r>
             <a:endParaRPr lang="de-DE"/>
           </a:p>
         </p:txBody>
       </p:sp>
       <p:sp>
         <p:nvSpPr>
-          <p:cNvPr id="4" name="Date Placeholder 3"/>
-          <p:cNvSpPr>
-            <a:spLocks noGrp="1"/>
-          </p:cNvSpPr>
-          <p:nvPr>
-            <p:ph type="dt" sz="half" idx="10"/>
+          <p:cNvPr id="5" name="Footer Placeholder 4"/>
+          <p:cNvSpPr>
+            <a:spLocks noGrp="1"/>
+          </p:cNvSpPr>
+          <p:nvPr>
+            <p:ph type="ftr" sz="quarter" idx="11"/>
           </p:nvPr>
         </p:nvSpPr>
         <p:spPr/>
@@ -8148,17 +8336,17 @@
           <a:bodyPr/>
           <a:lstStyle/>
           <a:p>
-            <a:fld id="{EB4FFFB8-79E1-4595-A1B1-EE7DF202F071}" type="datetime2">
-              <a:rPr lang="en-GB" smtClean="0"/>
-              <a:t>Tuesday, 22 November 2022</a:t>
-            </a:fld>
+            <a:r>
+              <a:rPr lang="de-DE" smtClean="0"/>
+              <a:t>https://github.com/ethernalraine/uni</a:t>
+            </a:r>
             <a:endParaRPr lang="de-DE"/>
           </a:p>
         </p:txBody>
       </p:sp>
       <p:sp>
         <p:nvSpPr>
-          <p:cNvPr id="5" name="Slide Number Placeholder 4"/>
+          <p:cNvPr id="6" name="Slide Number Placeholder 5"/>
           <p:cNvSpPr>
             <a:spLocks noGrp="1"/>
           </p:cNvSpPr>
@@ -8176,29 +8364,6 @@
               <a:pPr/>
               <a:t>15</a:t>
             </a:fld>
-            <a:endParaRPr lang="de-DE"/>
-          </a:p>
-        </p:txBody>
-      </p:sp>
-      <p:sp>
-        <p:nvSpPr>
-          <p:cNvPr id="6" name="Footer Placeholder 5"/>
-          <p:cNvSpPr>
-            <a:spLocks noGrp="1"/>
-          </p:cNvSpPr>
-          <p:nvPr>
-            <p:ph type="ftr" sz="quarter" idx="11"/>
-          </p:nvPr>
-        </p:nvSpPr>
-        <p:spPr/>
-        <p:txBody>
-          <a:bodyPr/>
-          <a:lstStyle/>
-          <a:p>
-            <a:r>
-              <a:rPr lang="de-DE" smtClean="0"/>
-              <a:t>https://github.com/ethernalraine/uni</a:t>
-            </a:r>
             <a:endParaRPr lang="de-DE"/>
           </a:p>
         </p:txBody>
@@ -8240,312 +8405,6 @@
       </p:grpSpPr>
       <p:sp>
         <p:nvSpPr>
-          <p:cNvPr id="2" name="Text Placeholder 1"/>
-          <p:cNvSpPr>
-            <a:spLocks noGrp="1"/>
-          </p:cNvSpPr>
-          <p:nvPr>
-            <p:ph type="body" idx="1"/>
-          </p:nvPr>
-        </p:nvSpPr>
-        <p:spPr/>
-        <p:txBody>
-          <a:bodyPr/>
-          <a:lstStyle/>
-          <a:p>
-            <a:r>
-              <a:rPr lang="en-US" dirty="0" smtClean="0"/>
-              <a:t>Sources</a:t>
-            </a:r>
-            <a:r>
-              <a:rPr lang="en-US" dirty="0" smtClean="0"/>
-              <a:t> </a:t>
-            </a:r>
-            <a:r>
-              <a:rPr lang="en-US" dirty="0" smtClean="0"/>
-              <a:t>and Link to Slides and Notes online</a:t>
-            </a:r>
-            <a:endParaRPr lang="de-DE" dirty="0"/>
-          </a:p>
-        </p:txBody>
-      </p:sp>
-      <p:sp>
-        <p:nvSpPr>
-          <p:cNvPr id="3" name="Date Placeholder 2"/>
-          <p:cNvSpPr>
-            <a:spLocks noGrp="1"/>
-          </p:cNvSpPr>
-          <p:nvPr>
-            <p:ph type="dt" sz="half" idx="10"/>
-          </p:nvPr>
-        </p:nvSpPr>
-        <p:spPr/>
-        <p:txBody>
-          <a:bodyPr/>
-          <a:lstStyle/>
-          <a:p>
-            <a:fld id="{CEB21C61-B5AE-4647-999B-88F6E6699E5E}" type="datetime2">
-              <a:rPr lang="en-GB" smtClean="0"/>
-              <a:t>Tuesday, 22 November 2022</a:t>
-            </a:fld>
-            <a:endParaRPr lang="de-DE"/>
-          </a:p>
-        </p:txBody>
-      </p:sp>
-      <p:sp>
-        <p:nvSpPr>
-          <p:cNvPr id="4" name="Footer Placeholder 3"/>
-          <p:cNvSpPr>
-            <a:spLocks noGrp="1"/>
-          </p:cNvSpPr>
-          <p:nvPr>
-            <p:ph type="ftr" sz="quarter" idx="11"/>
-          </p:nvPr>
-        </p:nvSpPr>
-        <p:spPr/>
-        <p:txBody>
-          <a:bodyPr/>
-          <a:lstStyle/>
-          <a:p>
-            <a:r>
-              <a:rPr lang="de-DE" smtClean="0"/>
-              <a:t>https://github.com/ethernalraine/uni</a:t>
-            </a:r>
-            <a:endParaRPr lang="de-DE"/>
-          </a:p>
-        </p:txBody>
-      </p:sp>
-      <p:sp>
-        <p:nvSpPr>
-          <p:cNvPr id="5" name="Slide Number Placeholder 4"/>
-          <p:cNvSpPr>
-            <a:spLocks noGrp="1"/>
-          </p:cNvSpPr>
-          <p:nvPr>
-            <p:ph type="sldNum" sz="quarter" idx="12"/>
-          </p:nvPr>
-        </p:nvSpPr>
-        <p:spPr/>
-        <p:txBody>
-          <a:bodyPr/>
-          <a:lstStyle/>
-          <a:p>
-            <a:fld id="{F59C70E6-6C27-47C3-B56D-C58F40D84728}" type="slidenum">
-              <a:rPr lang="de-DE" smtClean="0"/>
-              <a:pPr/>
-              <a:t>16</a:t>
-            </a:fld>
-            <a:endParaRPr lang="de-DE"/>
-          </a:p>
-        </p:txBody>
-      </p:sp>
-      <p:sp>
-        <p:nvSpPr>
-          <p:cNvPr id="6" name="Title 5"/>
-          <p:cNvSpPr>
-            <a:spLocks noGrp="1"/>
-          </p:cNvSpPr>
-          <p:nvPr>
-            <p:ph type="title"/>
-          </p:nvPr>
-        </p:nvSpPr>
-        <p:spPr/>
-        <p:txBody>
-          <a:bodyPr/>
-          <a:lstStyle/>
-          <a:p>
-            <a:r>
-              <a:rPr lang="en-US" dirty="0" smtClean="0"/>
-              <a:t>Miscellaneous</a:t>
-            </a:r>
-            <a:endParaRPr lang="de-DE" dirty="0"/>
-          </a:p>
-        </p:txBody>
-      </p:sp>
-    </p:spTree>
-  </p:cSld>
-  <p:clrMapOvr>
-    <a:masterClrMapping/>
-  </p:clrMapOvr>
-  <p:transition>
-    <p:fade/>
-  </p:transition>
-  <p:timing>
-    <p:tnLst>
-      <p:par>
-        <p:cTn id="1" dur="indefinite" restart="never" nodeType="tmRoot"/>
-      </p:par>
-    </p:tnLst>
-  </p:timing>
-</p:sld>
-</file>
-
-<file path=ppt/slides/slide17.xml><?xml version="1.0" encoding="utf-8"?>
-<p:sld xmlns:a="http://schemas.openxmlformats.org/drawingml/2006/main" xmlns:r="http://schemas.openxmlformats.org/officeDocument/2006/relationships" xmlns:p="http://schemas.openxmlformats.org/presentationml/2006/main">
-  <p:cSld>
-    <p:spTree>
-      <p:nvGrpSpPr>
-        <p:cNvPr id="1" name=""/>
-        <p:cNvGrpSpPr/>
-        <p:nvPr/>
-      </p:nvGrpSpPr>
-      <p:grpSpPr>
-        <a:xfrm>
-          <a:off x="0" y="0"/>
-          <a:ext cx="0" cy="0"/>
-          <a:chOff x="0" y="0"/>
-          <a:chExt cx="0" cy="0"/>
-        </a:xfrm>
-      </p:grpSpPr>
-      <p:sp>
-        <p:nvSpPr>
-          <p:cNvPr id="2" name="Title 1"/>
-          <p:cNvSpPr>
-            <a:spLocks noGrp="1"/>
-          </p:cNvSpPr>
-          <p:nvPr>
-            <p:ph type="title"/>
-          </p:nvPr>
-        </p:nvSpPr>
-        <p:spPr/>
-        <p:txBody>
-          <a:bodyPr/>
-          <a:lstStyle/>
-          <a:p>
-            <a:r>
-              <a:rPr lang="en-US" dirty="0" smtClean="0"/>
-              <a:t>Sources</a:t>
-            </a:r>
-            <a:endParaRPr lang="de-DE" dirty="0"/>
-          </a:p>
-        </p:txBody>
-      </p:sp>
-      <p:sp>
-        <p:nvSpPr>
-          <p:cNvPr id="3" name="Content Placeholder 2"/>
-          <p:cNvSpPr>
-            <a:spLocks noGrp="1"/>
-          </p:cNvSpPr>
-          <p:nvPr>
-            <p:ph idx="1"/>
-          </p:nvPr>
-        </p:nvSpPr>
-        <p:spPr/>
-        <p:txBody>
-          <a:bodyPr/>
-          <a:lstStyle/>
-          <a:p>
-            <a:endParaRPr lang="de-DE"/>
-          </a:p>
-        </p:txBody>
-      </p:sp>
-      <p:sp>
-        <p:nvSpPr>
-          <p:cNvPr id="4" name="Date Placeholder 3"/>
-          <p:cNvSpPr>
-            <a:spLocks noGrp="1"/>
-          </p:cNvSpPr>
-          <p:nvPr>
-            <p:ph type="dt" sz="half" idx="10"/>
-          </p:nvPr>
-        </p:nvSpPr>
-        <p:spPr/>
-        <p:txBody>
-          <a:bodyPr/>
-          <a:lstStyle/>
-          <a:p>
-            <a:fld id="{E1019886-7862-4E0F-B711-E84483F9E28D}" type="datetime2">
-              <a:rPr lang="en-GB" smtClean="0"/>
-              <a:t>Monday, 21 November 2022</a:t>
-            </a:fld>
-            <a:endParaRPr lang="de-DE"/>
-          </a:p>
-        </p:txBody>
-      </p:sp>
-      <p:sp>
-        <p:nvSpPr>
-          <p:cNvPr id="5" name="Footer Placeholder 4"/>
-          <p:cNvSpPr>
-            <a:spLocks noGrp="1"/>
-          </p:cNvSpPr>
-          <p:nvPr>
-            <p:ph type="ftr" sz="quarter" idx="11"/>
-          </p:nvPr>
-        </p:nvSpPr>
-        <p:spPr/>
-        <p:txBody>
-          <a:bodyPr/>
-          <a:lstStyle/>
-          <a:p>
-            <a:r>
-              <a:rPr lang="de-DE" smtClean="0"/>
-              <a:t>https://github.com/ethernalraine/uni</a:t>
-            </a:r>
-            <a:endParaRPr lang="de-DE"/>
-          </a:p>
-        </p:txBody>
-      </p:sp>
-      <p:sp>
-        <p:nvSpPr>
-          <p:cNvPr id="6" name="Slide Number Placeholder 5"/>
-          <p:cNvSpPr>
-            <a:spLocks noGrp="1"/>
-          </p:cNvSpPr>
-          <p:nvPr>
-            <p:ph type="sldNum" sz="quarter" idx="12"/>
-          </p:nvPr>
-        </p:nvSpPr>
-        <p:spPr/>
-        <p:txBody>
-          <a:bodyPr/>
-          <a:lstStyle/>
-          <a:p>
-            <a:fld id="{F59C70E6-6C27-47C3-B56D-C58F40D84728}" type="slidenum">
-              <a:rPr lang="de-DE" smtClean="0"/>
-              <a:pPr/>
-              <a:t>17</a:t>
-            </a:fld>
-            <a:endParaRPr lang="de-DE"/>
-          </a:p>
-        </p:txBody>
-      </p:sp>
-    </p:spTree>
-  </p:cSld>
-  <p:clrMapOvr>
-    <a:masterClrMapping/>
-  </p:clrMapOvr>
-  <p:transition>
-    <p:fade/>
-  </p:transition>
-  <p:timing>
-    <p:tnLst>
-      <p:par>
-        <p:cTn id="1" dur="indefinite" restart="never" nodeType="tmRoot"/>
-      </p:par>
-    </p:tnLst>
-  </p:timing>
-</p:sld>
-</file>
-
-<file path=ppt/slides/slide18.xml><?xml version="1.0" encoding="utf-8"?>
-<p:sld xmlns:a="http://schemas.openxmlformats.org/drawingml/2006/main" xmlns:r="http://schemas.openxmlformats.org/officeDocument/2006/relationships" xmlns:p="http://schemas.openxmlformats.org/presentationml/2006/main">
-  <p:cSld>
-    <p:spTree>
-      <p:nvGrpSpPr>
-        <p:cNvPr id="1" name=""/>
-        <p:cNvGrpSpPr/>
-        <p:nvPr/>
-      </p:nvGrpSpPr>
-      <p:grpSpPr>
-        <a:xfrm>
-          <a:off x="0" y="0"/>
-          <a:ext cx="0" cy="0"/>
-          <a:chOff x="0" y="0"/>
-          <a:chExt cx="0" cy="0"/>
-        </a:xfrm>
-      </p:grpSpPr>
-      <p:sp>
-        <p:nvSpPr>
           <p:cNvPr id="2" name="Title 1"/>
           <p:cNvSpPr>
             <a:spLocks noGrp="1"/>
@@ -8637,10 +8496,10 @@
           <a:bodyPr/>
           <a:lstStyle/>
           <a:p>
-            <a:fld id="{E02E131B-0750-4231-A73B-9C3F762AB729}" type="datetime2">
+            <a:r>
               <a:rPr lang="en-GB" smtClean="0"/>
               <a:t>Monday, 21 November 2022</a:t>
-            </a:fld>
+            </a:r>
             <a:endParaRPr lang="de-DE"/>
           </a:p>
         </p:txBody>
@@ -8686,7 +8545,7 @@
             <a:fld id="{F59C70E6-6C27-47C3-B56D-C58F40D84728}" type="slidenum">
               <a:rPr lang="de-DE" smtClean="0"/>
               <a:pPr/>
-              <a:t>18</a:t>
+              <a:t>16</a:t>
             </a:fld>
             <a:endParaRPr lang="de-DE"/>
           </a:p>
@@ -8768,7 +8627,7 @@
         </p:spPr>
         <p:txBody>
           <a:bodyPr>
-            <a:normAutofit fontScale="92500" lnSpcReduction="10000"/>
+            <a:normAutofit/>
           </a:bodyPr>
           <a:lstStyle/>
           <a:p>
@@ -8835,27 +8694,12 @@
             <a:pPr lvl="1"/>
             <a:r>
               <a:rPr lang="en-GB" dirty="0" smtClean="0"/>
-              <a:t>Influences</a:t>
-            </a:r>
-          </a:p>
-          <a:p>
-            <a:pPr lvl="1"/>
-            <a:r>
-              <a:rPr lang="en-GB" dirty="0" smtClean="0"/>
-              <a:t>Historical Reminders</a:t>
-            </a:r>
-          </a:p>
-          <a:p>
-            <a:pPr lvl="1"/>
-            <a:r>
-              <a:rPr lang="en-GB" dirty="0" smtClean="0"/>
               <a:t>Field </a:t>
             </a:r>
             <a:r>
               <a:rPr lang="en-GB" dirty="0" smtClean="0"/>
               <a:t>Advancements</a:t>
             </a:r>
-            <a:endParaRPr lang="en-GB" dirty="0" smtClean="0"/>
           </a:p>
         </p:txBody>
       </p:sp>
@@ -8874,10 +8718,10 @@
           <a:bodyPr/>
           <a:lstStyle/>
           <a:p>
-            <a:fld id="{D5AB6EA0-8AE2-4014-89ED-857A675C8C5A}" type="datetime2">
+            <a:r>
               <a:rPr lang="en-GB" smtClean="0"/>
-              <a:t>Tuesday, 22 November 2022</a:t>
-            </a:fld>
+              <a:t>Monday, 21 November 2022</a:t>
+            </a:r>
             <a:endParaRPr lang="de-DE"/>
           </a:p>
         </p:txBody>
@@ -8981,11 +8825,7 @@
           <a:p>
             <a:r>
               <a:rPr lang="en-US" dirty="0" smtClean="0"/>
-              <a:t>How did IBM gets its foot into the Industry, how did they become one of the largest tech companies and how did </a:t>
-            </a:r>
-            <a:r>
-              <a:rPr lang="en-US" dirty="0" smtClean="0"/>
-              <a:t>it all being?</a:t>
+              <a:t>How did IBM gets its foot into the Industry, how did they become one of the largest tech companies and how did it all being?</a:t>
             </a:r>
             <a:endParaRPr lang="de-DE" dirty="0"/>
           </a:p>
@@ -9029,10 +8869,10 @@
           <a:bodyPr/>
           <a:lstStyle/>
           <a:p>
-            <a:fld id="{D020E337-E848-4AC4-962B-465A5B87DFDE}" type="datetime2">
+            <a:r>
               <a:rPr lang="en-GB" smtClean="0"/>
-              <a:t>Tuesday, 22 November 2022</a:t>
-            </a:fld>
+              <a:t>Monday, 21 November 2022</a:t>
+            </a:r>
             <a:endParaRPr lang="de-DE"/>
           </a:p>
         </p:txBody>
@@ -9159,19 +8999,7 @@
           <a:p>
             <a:r>
               <a:rPr lang="en-GB" dirty="0" smtClean="0"/>
-              <a:t>Founded in 1911 as </a:t>
-            </a:r>
-            <a:r>
-              <a:rPr lang="en-GB" dirty="0" smtClean="0"/>
-              <a:t>CTR in </a:t>
-            </a:r>
-            <a:r>
-              <a:rPr lang="en-GB" dirty="0" smtClean="0"/>
-              <a:t>Endicott, </a:t>
-            </a:r>
-            <a:r>
-              <a:rPr lang="en-GB" dirty="0" smtClean="0"/>
-              <a:t>NY</a:t>
+              <a:t>Founded in 1911 as CTR in Endicott, NY</a:t>
             </a:r>
           </a:p>
           <a:p>
@@ -9179,16 +9007,11 @@
               <a:rPr lang="en-GB" dirty="0" smtClean="0"/>
               <a:t>Manufactured Tabulating Machines</a:t>
             </a:r>
-            <a:endParaRPr lang="en-GB" dirty="0" smtClean="0"/>
           </a:p>
           <a:p>
             <a:r>
               <a:rPr lang="en-GB" dirty="0" smtClean="0"/>
-              <a:t>Renamed in 1924 as </a:t>
-            </a:r>
-            <a:r>
-              <a:rPr lang="en-GB" dirty="0" smtClean="0"/>
-              <a:t>IBM</a:t>
+              <a:t>Renamed in 1924 as IBM</a:t>
             </a:r>
           </a:p>
           <a:p>
@@ -9223,10 +9046,10 @@
           <a:bodyPr/>
           <a:lstStyle/>
           <a:p>
-            <a:fld id="{C1757F45-F80D-455B-B17F-6A7189C3CE19}" type="datetime2">
+            <a:r>
               <a:rPr lang="en-GB" smtClean="0"/>
-              <a:t>Tuesday, 22 November 2022</a:t>
-            </a:fld>
+              <a:t>Monday, 21 November 2022</a:t>
+            </a:r>
             <a:endParaRPr lang="de-DE"/>
           </a:p>
         </p:txBody>
@@ -9410,10 +9233,10 @@
           <a:bodyPr/>
           <a:lstStyle/>
           <a:p>
-            <a:fld id="{C1E6F2A1-3EF1-4FFB-96DC-FA039DD37B6D}" type="datetime2">
+            <a:r>
               <a:rPr lang="en-GB" smtClean="0"/>
-              <a:t>Tuesday, 22 November 2022</a:t>
-            </a:fld>
+              <a:t>Monday, 21 November 2022</a:t>
+            </a:r>
             <a:endParaRPr lang="de-DE"/>
           </a:p>
         </p:txBody>
@@ -9596,10 +9419,10 @@
           <a:bodyPr/>
           <a:lstStyle/>
           <a:p>
-            <a:fld id="{FD22B2CC-7785-412E-A626-03C0A2A84850}" type="datetime2">
+            <a:r>
               <a:rPr lang="en-GB" smtClean="0"/>
-              <a:t>Tuesday, 22 November 2022</a:t>
-            </a:fld>
+              <a:t>Monday, 21 November 2022</a:t>
+            </a:r>
             <a:endParaRPr lang="de-DE"/>
           </a:p>
         </p:txBody>
@@ -9818,15 +9641,7 @@
             <a:pPr lvl="1"/>
             <a:r>
               <a:rPr lang="en-US" dirty="0" smtClean="0"/>
-              <a:t>Sold </a:t>
-            </a:r>
-            <a:r>
-              <a:rPr lang="en-US" dirty="0" smtClean="0"/>
-              <a:t>in 2005 </a:t>
-            </a:r>
-            <a:r>
-              <a:rPr lang="en-US" dirty="0" smtClean="0"/>
-              <a:t>and 2014 to Lenovo</a:t>
+              <a:t>Sold in 2005 and 2014 to Lenovo</a:t>
             </a:r>
           </a:p>
           <a:p>
@@ -9859,7 +9674,6 @@
               <a:rPr lang="en-US" dirty="0" smtClean="0"/>
               <a:t>Sold to Francisco Partners (Private Equity)</a:t>
             </a:r>
-            <a:endParaRPr lang="en-US" dirty="0" smtClean="0"/>
           </a:p>
         </p:txBody>
       </p:sp>
@@ -9878,10 +9692,10 @@
           <a:bodyPr/>
           <a:lstStyle/>
           <a:p>
-            <a:fld id="{FD22B2CC-7785-412E-A626-03C0A2A84850}" type="datetime2">
+            <a:r>
               <a:rPr lang="en-GB" smtClean="0"/>
-              <a:t>Tuesday, 22 November 2022</a:t>
-            </a:fld>
+              <a:t>Monday, 21 November 2022</a:t>
+            </a:r>
             <a:endParaRPr lang="de-DE"/>
           </a:p>
         </p:txBody>
@@ -10101,10 +9915,10 @@
           <a:bodyPr/>
           <a:lstStyle/>
           <a:p>
-            <a:fld id="{79306B67-EBCF-4356-B01F-3F056664F376}" type="datetime2">
+            <a:r>
               <a:rPr lang="en-GB" smtClean="0"/>
-              <a:t>Tuesday, 22 November 2022</a:t>
-            </a:fld>
+              <a:t>Monday, 21 November 2022</a:t>
+            </a:r>
             <a:endParaRPr lang="de-DE"/>
           </a:p>
         </p:txBody>
@@ -10276,10 +10090,10 @@
           <a:bodyPr/>
           <a:lstStyle/>
           <a:p>
-            <a:fld id="{10BB0806-CB8C-4A4B-8EFF-CFC81BFBCA49}" type="datetime2">
+            <a:r>
               <a:rPr lang="en-GB" smtClean="0"/>
-              <a:t>Tuesday, 22 November 2022</a:t>
-            </a:fld>
+              <a:t>Monday, 21 November 2022</a:t>
+            </a:r>
             <a:endParaRPr lang="de-DE"/>
           </a:p>
         </p:txBody>

--- a/presentations/IBM/Zero Downtime.pptx
+++ b/presentations/IBM/Zero Downtime.pptx
@@ -211,7 +211,7 @@
             <a:fld id="{53F8006C-E171-4E58-9BBB-A90504E75719}" type="datetimeFigureOut">
               <a:rPr lang="de-DE" smtClean="0"/>
               <a:pPr/>
-              <a:t>04.12.2022</a:t>
+              <a:t>05.12.2022</a:t>
             </a:fld>
             <a:endParaRPr lang="de-DE"/>
           </a:p>
@@ -373,7 +373,7 @@
             <a:fld id="{F9B9FC39-2DDB-4B0A-BF0F-D246E8382D6F}" type="datetimeFigureOut">
               <a:rPr lang="de-DE" smtClean="0"/>
               <a:pPr/>
-              <a:t>04.12.2022</a:t>
+              <a:t>05.12.2022</a:t>
             </a:fld>
             <a:endParaRPr lang="de-DE"/>
           </a:p>
@@ -7765,7 +7765,6 @@
               <a:rPr lang="en-US" dirty="0" smtClean="0"/>
               <a:t>Governments</a:t>
             </a:r>
-            <a:endParaRPr lang="en-US" dirty="0" smtClean="0"/>
           </a:p>
         </p:txBody>
       </p:sp>
@@ -7947,7 +7946,6 @@
               <a:rPr lang="en-US" dirty="0" smtClean="0"/>
               <a:t>Redundancy</a:t>
             </a:r>
-            <a:endParaRPr lang="en-US" dirty="0" smtClean="0"/>
           </a:p>
           <a:p>
             <a:endParaRPr lang="de-DE" dirty="0"/>
@@ -8694,11 +8692,7 @@
             <a:pPr lvl="1"/>
             <a:r>
               <a:rPr lang="en-GB" dirty="0" smtClean="0"/>
-              <a:t>Field </a:t>
-            </a:r>
-            <a:r>
-              <a:rPr lang="en-GB" dirty="0" smtClean="0"/>
-              <a:t>Advancements</a:t>
+              <a:t>Field Advancements</a:t>
             </a:r>
           </a:p>
         </p:txBody>
@@ -9970,6 +9964,32 @@
           </a:p>
         </p:txBody>
       </p:sp>
+      <p:pic>
+        <p:nvPicPr>
+          <p:cNvPr id="1026" name="Picture 2" descr="C:\Users\Lu\Downloads\mainframe.png"/>
+          <p:cNvPicPr>
+            <a:picLocks noChangeAspect="1" noChangeArrowheads="1"/>
+          </p:cNvPicPr>
+          <p:nvPr/>
+        </p:nvPicPr>
+        <p:blipFill>
+          <a:blip r:embed="rId2" cstate="print"/>
+          <a:srcRect/>
+          <a:stretch>
+            <a:fillRect/>
+          </a:stretch>
+        </p:blipFill>
+        <p:spPr bwMode="auto">
+          <a:xfrm>
+            <a:off x="6381422" y="3288708"/>
+            <a:ext cx="2439050" cy="3092620"/>
+          </a:xfrm>
+          <a:prstGeom prst="rect">
+            <a:avLst/>
+          </a:prstGeom>
+          <a:noFill/>
+        </p:spPr>
+      </p:pic>
     </p:spTree>
   </p:cSld>
   <p:clrMapOvr>
